--- a/Images/Figures_PPT/RictorPie.pptx
+++ b/Images/Figures_PPT/RictorPie.pptx
@@ -2298,477 +2298,471 @@
           </p:nvSpPr>
           <p:spPr>
             <a:xfrm>
-              <a:off x="5130349" y="1749568"/>
-              <a:ext cx="2829471" cy="4947129"/>
+              <a:off x="5251268" y="1749568"/>
+              <a:ext cx="2708730" cy="4947167"/>
             </a:xfrm>
             <a:custGeom>
               <a:avLst/>
               <a:pathLst>
-                <a:path w="2829471" h="4947129">
+                <a:path w="2708730" h="4947167">
                   <a:moveTo>
-                    <a:pt x="356050" y="2473613"/>
+                    <a:pt x="235131" y="2473613"/>
                   </a:moveTo>
                   <a:lnTo>
-                    <a:pt x="343772" y="2558022"/>
-                  </a:lnTo>
-                  <a:lnTo>
-                    <a:pt x="331495" y="2642431"/>
-                  </a:lnTo>
-                  <a:lnTo>
-                    <a:pt x="319217" y="2726840"/>
-                  </a:lnTo>
-                  <a:lnTo>
-                    <a:pt x="306939" y="2811249"/>
-                  </a:lnTo>
-                  <a:lnTo>
-                    <a:pt x="294662" y="2895657"/>
-                  </a:lnTo>
-                  <a:lnTo>
-                    <a:pt x="282384" y="2980066"/>
-                  </a:lnTo>
-                  <a:lnTo>
-                    <a:pt x="270107" y="3064475"/>
-                  </a:lnTo>
-                  <a:lnTo>
-                    <a:pt x="257829" y="3148884"/>
-                  </a:lnTo>
-                  <a:lnTo>
-                    <a:pt x="245551" y="3233293"/>
-                  </a:lnTo>
-                  <a:lnTo>
-                    <a:pt x="233274" y="3317701"/>
-                  </a:lnTo>
-                  <a:lnTo>
-                    <a:pt x="220996" y="3402110"/>
-                  </a:lnTo>
-                  <a:lnTo>
-                    <a:pt x="208719" y="3486519"/>
-                  </a:lnTo>
-                  <a:lnTo>
-                    <a:pt x="196441" y="3570928"/>
-                  </a:lnTo>
-                  <a:lnTo>
-                    <a:pt x="184163" y="3655337"/>
-                  </a:lnTo>
-                  <a:lnTo>
-                    <a:pt x="171886" y="3739745"/>
-                  </a:lnTo>
-                  <a:lnTo>
-                    <a:pt x="159608" y="3824154"/>
-                  </a:lnTo>
-                  <a:lnTo>
-                    <a:pt x="147331" y="3908563"/>
-                  </a:lnTo>
-                  <a:lnTo>
-                    <a:pt x="135053" y="3992972"/>
-                  </a:lnTo>
-                  <a:lnTo>
-                    <a:pt x="122775" y="4077380"/>
-                  </a:lnTo>
-                  <a:lnTo>
-                    <a:pt x="110498" y="4161789"/>
-                  </a:lnTo>
-                  <a:lnTo>
-                    <a:pt x="98220" y="4246198"/>
-                  </a:lnTo>
-                  <a:lnTo>
-                    <a:pt x="85943" y="4330607"/>
-                  </a:lnTo>
-                  <a:lnTo>
-                    <a:pt x="73665" y="4415016"/>
-                  </a:lnTo>
-                  <a:lnTo>
-                    <a:pt x="61387" y="4499424"/>
-                  </a:lnTo>
-                  <a:lnTo>
-                    <a:pt x="49110" y="4583833"/>
-                  </a:lnTo>
-                  <a:lnTo>
-                    <a:pt x="36832" y="4668242"/>
-                  </a:lnTo>
-                  <a:lnTo>
-                    <a:pt x="24555" y="4752651"/>
-                  </a:lnTo>
-                  <a:lnTo>
-                    <a:pt x="12277" y="4837060"/>
-                  </a:lnTo>
-                  <a:lnTo>
-                    <a:pt x="0" y="4921468"/>
-                  </a:lnTo>
-                  <a:lnTo>
-                    <a:pt x="83113" y="4932123"/>
-                  </a:lnTo>
-                  <a:lnTo>
-                    <a:pt x="166540" y="4939957"/>
-                  </a:lnTo>
-                  <a:lnTo>
-                    <a:pt x="250184" y="4944961"/>
-                  </a:lnTo>
-                  <a:lnTo>
-                    <a:pt x="333950" y="4947129"/>
-                  </a:lnTo>
-                  <a:lnTo>
-                    <a:pt x="417741" y="4946458"/>
-                  </a:lnTo>
-                  <a:lnTo>
-                    <a:pt x="501461" y="4942950"/>
-                  </a:lnTo>
-                  <a:lnTo>
-                    <a:pt x="585014" y="4936608"/>
-                  </a:lnTo>
-                  <a:lnTo>
-                    <a:pt x="668305" y="4927440"/>
-                  </a:lnTo>
-                  <a:lnTo>
-                    <a:pt x="751237" y="4915456"/>
-                  </a:lnTo>
-                  <a:lnTo>
-                    <a:pt x="833716" y="4900669"/>
-                  </a:lnTo>
-                  <a:lnTo>
-                    <a:pt x="915647" y="4883098"/>
-                  </a:lnTo>
-                  <a:lnTo>
-                    <a:pt x="996935" y="4862762"/>
-                  </a:lnTo>
-                  <a:lnTo>
-                    <a:pt x="1077488" y="4839684"/>
-                  </a:lnTo>
-                  <a:lnTo>
-                    <a:pt x="1157214" y="4813892"/>
-                  </a:lnTo>
-                  <a:lnTo>
-                    <a:pt x="1236020" y="4785413"/>
-                  </a:lnTo>
-                  <a:lnTo>
-                    <a:pt x="1313816" y="4754282"/>
-                  </a:lnTo>
-                  <a:lnTo>
-                    <a:pt x="1390513" y="4720534"/>
-                  </a:lnTo>
-                  <a:lnTo>
-                    <a:pt x="1466023" y="4684207"/>
-                  </a:lnTo>
-                  <a:lnTo>
-                    <a:pt x="1540259" y="4645344"/>
-                  </a:lnTo>
-                  <a:lnTo>
-                    <a:pt x="1613137" y="4603989"/>
-                  </a:lnTo>
-                  <a:lnTo>
-                    <a:pt x="1684571" y="4560189"/>
-                  </a:lnTo>
-                  <a:lnTo>
-                    <a:pt x="1754482" y="4513994"/>
-                  </a:lnTo>
-                  <a:lnTo>
-                    <a:pt x="1822787" y="4465458"/>
-                  </a:lnTo>
-                  <a:lnTo>
-                    <a:pt x="1889410" y="4414637"/>
-                  </a:lnTo>
-                  <a:lnTo>
-                    <a:pt x="1954273" y="4361588"/>
-                  </a:lnTo>
-                  <a:lnTo>
-                    <a:pt x="2017302" y="4306373"/>
-                  </a:lnTo>
-                  <a:lnTo>
-                    <a:pt x="2078425" y="4249054"/>
-                  </a:lnTo>
-                  <a:lnTo>
-                    <a:pt x="2137571" y="4189699"/>
-                  </a:lnTo>
-                  <a:lnTo>
-                    <a:pt x="2194673" y="4128374"/>
-                  </a:lnTo>
-                  <a:lnTo>
-                    <a:pt x="2249665" y="4065150"/>
-                  </a:lnTo>
-                  <a:lnTo>
-                    <a:pt x="2302484" y="4000100"/>
-                  </a:lnTo>
-                  <a:lnTo>
-                    <a:pt x="2353070" y="3933298"/>
-                  </a:lnTo>
-                  <a:lnTo>
-                    <a:pt x="2401363" y="3864821"/>
-                  </a:lnTo>
-                  <a:lnTo>
-                    <a:pt x="2447310" y="3794747"/>
-                  </a:lnTo>
-                  <a:lnTo>
-                    <a:pt x="2490858" y="3723158"/>
-                  </a:lnTo>
-                  <a:lnTo>
-                    <a:pt x="2531955" y="3650135"/>
-                  </a:lnTo>
-                  <a:lnTo>
-                    <a:pt x="2570555" y="3575762"/>
-                  </a:lnTo>
-                  <a:lnTo>
-                    <a:pt x="2606615" y="3500124"/>
-                  </a:lnTo>
-                  <a:lnTo>
-                    <a:pt x="2640092" y="3423308"/>
-                  </a:lnTo>
-                  <a:lnTo>
-                    <a:pt x="2670947" y="3345402"/>
-                  </a:lnTo>
-                  <a:lnTo>
-                    <a:pt x="2699147" y="3266496"/>
-                  </a:lnTo>
-                  <a:lnTo>
-                    <a:pt x="2724657" y="3186680"/>
-                  </a:lnTo>
-                  <a:lnTo>
-                    <a:pt x="2747450" y="3106046"/>
-                  </a:lnTo>
-                  <a:lnTo>
-                    <a:pt x="2767499" y="3024686"/>
-                  </a:lnTo>
-                  <a:lnTo>
-                    <a:pt x="2784780" y="2942693"/>
-                  </a:lnTo>
-                  <a:lnTo>
-                    <a:pt x="2799274" y="2860163"/>
-                  </a:lnTo>
-                  <a:lnTo>
-                    <a:pt x="2810965" y="2777188"/>
-                  </a:lnTo>
-                  <a:lnTo>
-                    <a:pt x="2819838" y="2693866"/>
-                  </a:lnTo>
-                  <a:lnTo>
-                    <a:pt x="2825885" y="2610291"/>
-                  </a:lnTo>
-                  <a:lnTo>
-                    <a:pt x="2829097" y="2526558"/>
-                  </a:lnTo>
-                  <a:lnTo>
-                    <a:pt x="2829471" y="2442766"/>
-                  </a:lnTo>
-                  <a:lnTo>
-                    <a:pt x="2827007" y="2359008"/>
-                  </a:lnTo>
-                  <a:lnTo>
-                    <a:pt x="2821708" y="2275382"/>
-                  </a:lnTo>
-                  <a:lnTo>
-                    <a:pt x="2813579" y="2191984"/>
-                  </a:lnTo>
-                  <a:lnTo>
-                    <a:pt x="2802630" y="2108908"/>
-                  </a:lnTo>
-                  <a:lnTo>
-                    <a:pt x="2788874" y="2026252"/>
-                  </a:lnTo>
-                  <a:lnTo>
-                    <a:pt x="2772326" y="1944108"/>
-                  </a:lnTo>
-                  <a:lnTo>
-                    <a:pt x="2753005" y="1862572"/>
-                  </a:lnTo>
-                  <a:lnTo>
-                    <a:pt x="2730934" y="1781738"/>
-                  </a:lnTo>
-                  <a:lnTo>
-                    <a:pt x="2706137" y="1701697"/>
-                  </a:lnTo>
-                  <a:lnTo>
-                    <a:pt x="2678644" y="1622542"/>
-                  </a:lnTo>
-                  <a:lnTo>
-                    <a:pt x="2648485" y="1544364"/>
-                  </a:lnTo>
-                  <a:lnTo>
-                    <a:pt x="2615696" y="1467252"/>
-                  </a:lnTo>
-                  <a:lnTo>
-                    <a:pt x="2580314" y="1391294"/>
-                  </a:lnTo>
-                  <a:lnTo>
-                    <a:pt x="2542380" y="1316579"/>
-                  </a:lnTo>
-                  <a:lnTo>
-                    <a:pt x="2501936" y="1243192"/>
-                  </a:lnTo>
-                  <a:lnTo>
-                    <a:pt x="2459030" y="1171216"/>
-                  </a:lnTo>
-                  <a:lnTo>
-                    <a:pt x="2413711" y="1100735"/>
-                  </a:lnTo>
-                  <a:lnTo>
-                    <a:pt x="2366031" y="1031830"/>
-                  </a:lnTo>
-                  <a:lnTo>
-                    <a:pt x="2316045" y="964578"/>
-                  </a:lnTo>
-                  <a:lnTo>
-                    <a:pt x="2263809" y="899059"/>
-                  </a:lnTo>
-                  <a:lnTo>
-                    <a:pt x="2209384" y="835346"/>
-                  </a:lnTo>
-                  <a:lnTo>
-                    <a:pt x="2152832" y="773514"/>
-                  </a:lnTo>
-                  <a:lnTo>
-                    <a:pt x="2094218" y="713632"/>
-                  </a:lnTo>
-                  <a:lnTo>
-                    <a:pt x="2033610" y="655769"/>
-                  </a:lnTo>
-                  <a:lnTo>
-                    <a:pt x="1971077" y="599993"/>
-                  </a:lnTo>
-                  <a:lnTo>
-                    <a:pt x="1906691" y="546367"/>
-                  </a:lnTo>
-                  <a:lnTo>
-                    <a:pt x="1840525" y="494952"/>
-                  </a:lnTo>
-                  <a:lnTo>
-                    <a:pt x="1772656" y="445808"/>
-                  </a:lnTo>
-                  <a:lnTo>
-                    <a:pt x="1703161" y="398991"/>
-                  </a:lnTo>
-                  <a:lnTo>
-                    <a:pt x="1632120" y="354554"/>
-                  </a:lnTo>
-                  <a:lnTo>
-                    <a:pt x="1559615" y="312550"/>
-                  </a:lnTo>
-                  <a:lnTo>
-                    <a:pt x="1485729" y="273025"/>
-                  </a:lnTo>
-                  <a:lnTo>
-                    <a:pt x="1410546" y="236025"/>
-                  </a:lnTo>
-                  <a:lnTo>
-                    <a:pt x="1334154" y="201593"/>
-                  </a:lnTo>
-                  <a:lnTo>
-                    <a:pt x="1256639" y="169768"/>
-                  </a:lnTo>
-                  <a:lnTo>
-                    <a:pt x="1178091" y="140586"/>
-                  </a:lnTo>
-                  <a:lnTo>
-                    <a:pt x="1098599" y="114082"/>
-                  </a:lnTo>
-                  <a:lnTo>
-                    <a:pt x="1018255" y="90286"/>
-                  </a:lnTo>
-                  <a:lnTo>
-                    <a:pt x="937152" y="69224"/>
-                  </a:lnTo>
-                  <a:lnTo>
-                    <a:pt x="855381" y="50922"/>
-                  </a:lnTo>
-                  <a:lnTo>
-                    <a:pt x="773038" y="35400"/>
-                  </a:lnTo>
-                  <a:lnTo>
-                    <a:pt x="690216" y="22675"/>
-                  </a:lnTo>
-                  <a:lnTo>
-                    <a:pt x="607010" y="12763"/>
-                  </a:lnTo>
-                  <a:lnTo>
-                    <a:pt x="523517" y="5675"/>
-                  </a:lnTo>
-                  <a:lnTo>
-                    <a:pt x="439831" y="1419"/>
-                  </a:lnTo>
-                  <a:lnTo>
-                    <a:pt x="356050" y="0"/>
-                  </a:lnTo>
-                  <a:lnTo>
-                    <a:pt x="356050" y="85297"/>
-                  </a:lnTo>
-                  <a:lnTo>
-                    <a:pt x="356050" y="170594"/>
-                  </a:lnTo>
-                  <a:lnTo>
-                    <a:pt x="356050" y="255891"/>
-                  </a:lnTo>
-                  <a:lnTo>
-                    <a:pt x="356050" y="341188"/>
-                  </a:lnTo>
-                  <a:lnTo>
-                    <a:pt x="356050" y="426485"/>
-                  </a:lnTo>
-                  <a:lnTo>
-                    <a:pt x="356050" y="511782"/>
-                  </a:lnTo>
-                  <a:lnTo>
-                    <a:pt x="356050" y="597079"/>
-                  </a:lnTo>
-                  <a:lnTo>
-                    <a:pt x="356050" y="682376"/>
-                  </a:lnTo>
-                  <a:lnTo>
-                    <a:pt x="356050" y="767673"/>
-                  </a:lnTo>
-                  <a:lnTo>
-                    <a:pt x="356050" y="852970"/>
-                  </a:lnTo>
-                  <a:lnTo>
-                    <a:pt x="356050" y="938267"/>
-                  </a:lnTo>
-                  <a:lnTo>
-                    <a:pt x="356050" y="1023564"/>
-                  </a:lnTo>
-                  <a:lnTo>
-                    <a:pt x="356050" y="1108861"/>
-                  </a:lnTo>
-                  <a:lnTo>
-                    <a:pt x="356050" y="1194158"/>
-                  </a:lnTo>
-                  <a:lnTo>
-                    <a:pt x="356050" y="1279455"/>
-                  </a:lnTo>
-                  <a:lnTo>
-                    <a:pt x="356050" y="1364752"/>
-                  </a:lnTo>
-                  <a:lnTo>
-                    <a:pt x="356050" y="1450049"/>
-                  </a:lnTo>
-                  <a:lnTo>
-                    <a:pt x="356050" y="1535346"/>
-                  </a:lnTo>
-                  <a:lnTo>
-                    <a:pt x="356050" y="1620643"/>
-                  </a:lnTo>
-                  <a:lnTo>
-                    <a:pt x="356050" y="1705940"/>
-                  </a:lnTo>
-                  <a:lnTo>
-                    <a:pt x="356050" y="1791237"/>
-                  </a:lnTo>
-                  <a:lnTo>
-                    <a:pt x="356050" y="1876534"/>
-                  </a:lnTo>
-                  <a:lnTo>
-                    <a:pt x="356050" y="1961831"/>
-                  </a:lnTo>
-                  <a:lnTo>
-                    <a:pt x="356050" y="2047128"/>
-                  </a:lnTo>
-                  <a:lnTo>
-                    <a:pt x="356050" y="2132425"/>
-                  </a:lnTo>
-                  <a:lnTo>
-                    <a:pt x="356050" y="2217722"/>
-                  </a:lnTo>
-                  <a:lnTo>
-                    <a:pt x="356050" y="2303019"/>
-                  </a:lnTo>
-                  <a:lnTo>
-                    <a:pt x="356050" y="2388316"/>
+                    <a:pt x="227023" y="2558524"/>
+                  </a:lnTo>
+                  <a:lnTo>
+                    <a:pt x="218915" y="2643435"/>
+                  </a:lnTo>
+                  <a:lnTo>
+                    <a:pt x="210807" y="2728346"/>
+                  </a:lnTo>
+                  <a:lnTo>
+                    <a:pt x="202699" y="2813257"/>
+                  </a:lnTo>
+                  <a:lnTo>
+                    <a:pt x="194591" y="2898167"/>
+                  </a:lnTo>
+                  <a:lnTo>
+                    <a:pt x="186483" y="2983078"/>
+                  </a:lnTo>
+                  <a:lnTo>
+                    <a:pt x="178375" y="3067989"/>
+                  </a:lnTo>
+                  <a:lnTo>
+                    <a:pt x="170267" y="3152900"/>
+                  </a:lnTo>
+                  <a:lnTo>
+                    <a:pt x="162159" y="3237811"/>
+                  </a:lnTo>
+                  <a:lnTo>
+                    <a:pt x="154051" y="3322721"/>
+                  </a:lnTo>
+                  <a:lnTo>
+                    <a:pt x="145943" y="3407632"/>
+                  </a:lnTo>
+                  <a:lnTo>
+                    <a:pt x="137835" y="3492543"/>
+                  </a:lnTo>
+                  <a:lnTo>
+                    <a:pt x="129727" y="3577454"/>
+                  </a:lnTo>
+                  <a:lnTo>
+                    <a:pt x="121619" y="3662365"/>
+                  </a:lnTo>
+                  <a:lnTo>
+                    <a:pt x="113511" y="3747275"/>
+                  </a:lnTo>
+                  <a:lnTo>
+                    <a:pt x="105403" y="3832186"/>
+                  </a:lnTo>
+                  <a:lnTo>
+                    <a:pt x="97295" y="3917097"/>
+                  </a:lnTo>
+                  <a:lnTo>
+                    <a:pt x="89187" y="4002008"/>
+                  </a:lnTo>
+                  <a:lnTo>
+                    <a:pt x="81079" y="4086919"/>
+                  </a:lnTo>
+                  <a:lnTo>
+                    <a:pt x="72971" y="4171829"/>
+                  </a:lnTo>
+                  <a:lnTo>
+                    <a:pt x="64863" y="4256740"/>
+                  </a:lnTo>
+                  <a:lnTo>
+                    <a:pt x="56755" y="4341651"/>
+                  </a:lnTo>
+                  <a:lnTo>
+                    <a:pt x="48647" y="4426562"/>
+                  </a:lnTo>
+                  <a:lnTo>
+                    <a:pt x="40539" y="4511473"/>
+                  </a:lnTo>
+                  <a:lnTo>
+                    <a:pt x="32431" y="4596383"/>
+                  </a:lnTo>
+                  <a:lnTo>
+                    <a:pt x="24323" y="4681294"/>
+                  </a:lnTo>
+                  <a:lnTo>
+                    <a:pt x="16215" y="4766205"/>
+                  </a:lnTo>
+                  <a:lnTo>
+                    <a:pt x="8107" y="4851116"/>
+                  </a:lnTo>
+                  <a:lnTo>
+                    <a:pt x="0" y="4936027"/>
+                  </a:lnTo>
+                  <a:lnTo>
+                    <a:pt x="84018" y="4942607"/>
+                  </a:lnTo>
+                  <a:lnTo>
+                    <a:pt x="168212" y="4946322"/>
+                  </a:lnTo>
+                  <a:lnTo>
+                    <a:pt x="252483" y="4947167"/>
+                  </a:lnTo>
+                  <a:lnTo>
+                    <a:pt x="336734" y="4945140"/>
+                  </a:lnTo>
+                  <a:lnTo>
+                    <a:pt x="420868" y="4940244"/>
+                  </a:lnTo>
+                  <a:lnTo>
+                    <a:pt x="504785" y="4932486"/>
+                  </a:lnTo>
+                  <a:lnTo>
+                    <a:pt x="588390" y="4921873"/>
+                  </a:lnTo>
+                  <a:lnTo>
+                    <a:pt x="671585" y="4908418"/>
+                  </a:lnTo>
+                  <a:lnTo>
+                    <a:pt x="754273" y="4892137"/>
+                  </a:lnTo>
+                  <a:lnTo>
+                    <a:pt x="836358" y="4873049"/>
+                  </a:lnTo>
+                  <a:lnTo>
+                    <a:pt x="917746" y="4851176"/>
+                  </a:lnTo>
+                  <a:lnTo>
+                    <a:pt x="998341" y="4826543"/>
+                  </a:lnTo>
+                  <a:lnTo>
+                    <a:pt x="1078051" y="4799179"/>
+                  </a:lnTo>
+                  <a:lnTo>
+                    <a:pt x="1156782" y="4769115"/>
+                  </a:lnTo>
+                  <a:lnTo>
+                    <a:pt x="1234443" y="4736387"/>
+                  </a:lnTo>
+                  <a:lnTo>
+                    <a:pt x="1310944" y="4701032"/>
+                  </a:lnTo>
+                  <a:lnTo>
+                    <a:pt x="1386196" y="4663092"/>
+                  </a:lnTo>
+                  <a:lnTo>
+                    <a:pt x="1460113" y="4622610"/>
+                  </a:lnTo>
+                  <a:lnTo>
+                    <a:pt x="1532607" y="4579634"/>
+                  </a:lnTo>
+                  <a:lnTo>
+                    <a:pt x="1603596" y="4534213"/>
+                  </a:lnTo>
+                  <a:lnTo>
+                    <a:pt x="1672995" y="4486401"/>
+                  </a:lnTo>
+                  <a:lnTo>
+                    <a:pt x="1740726" y="4436252"/>
+                  </a:lnTo>
+                  <a:lnTo>
+                    <a:pt x="1806710" y="4383825"/>
+                  </a:lnTo>
+                  <a:lnTo>
+                    <a:pt x="1870869" y="4329181"/>
+                  </a:lnTo>
+                  <a:lnTo>
+                    <a:pt x="1933129" y="4272382"/>
+                  </a:lnTo>
+                  <a:lnTo>
+                    <a:pt x="1993419" y="4213496"/>
+                  </a:lnTo>
+                  <a:lnTo>
+                    <a:pt x="2051667" y="4152591"/>
+                  </a:lnTo>
+                  <a:lnTo>
+                    <a:pt x="2107807" y="4089736"/>
+                  </a:lnTo>
+                  <a:lnTo>
+                    <a:pt x="2161773" y="4025006"/>
+                  </a:lnTo>
+                  <a:lnTo>
+                    <a:pt x="2213503" y="3958474"/>
+                  </a:lnTo>
+                  <a:lnTo>
+                    <a:pt x="2262936" y="3890220"/>
+                  </a:lnTo>
+                  <a:lnTo>
+                    <a:pt x="2310016" y="3820320"/>
+                  </a:lnTo>
+                  <a:lnTo>
+                    <a:pt x="2354687" y="3748858"/>
+                  </a:lnTo>
+                  <a:lnTo>
+                    <a:pt x="2396898" y="3675915"/>
+                  </a:lnTo>
+                  <a:lnTo>
+                    <a:pt x="2436600" y="3601577"/>
+                  </a:lnTo>
+                  <a:lnTo>
+                    <a:pt x="2473746" y="3525930"/>
+                  </a:lnTo>
+                  <a:lnTo>
+                    <a:pt x="2508294" y="3449061"/>
+                  </a:lnTo>
+                  <a:lnTo>
+                    <a:pt x="2540203" y="3371060"/>
+                  </a:lnTo>
+                  <a:lnTo>
+                    <a:pt x="2569437" y="3292017"/>
+                  </a:lnTo>
+                  <a:lnTo>
+                    <a:pt x="2595961" y="3212024"/>
+                  </a:lnTo>
+                  <a:lnTo>
+                    <a:pt x="2619745" y="3131174"/>
+                  </a:lnTo>
+                  <a:lnTo>
+                    <a:pt x="2640760" y="3049561"/>
+                  </a:lnTo>
+                  <a:lnTo>
+                    <a:pt x="2658984" y="2967279"/>
+                  </a:lnTo>
+                  <a:lnTo>
+                    <a:pt x="2674394" y="2884424"/>
+                  </a:lnTo>
+                  <a:lnTo>
+                    <a:pt x="2686972" y="2801092"/>
+                  </a:lnTo>
+                  <a:lnTo>
+                    <a:pt x="2696705" y="2717380"/>
+                  </a:lnTo>
+                  <a:lnTo>
+                    <a:pt x="2703580" y="2633386"/>
+                  </a:lnTo>
+                  <a:lnTo>
+                    <a:pt x="2707590" y="2549206"/>
+                  </a:lnTo>
+                  <a:lnTo>
+                    <a:pt x="2708730" y="2464938"/>
+                  </a:lnTo>
+                  <a:lnTo>
+                    <a:pt x="2706999" y="2380680"/>
+                  </a:lnTo>
+                  <a:lnTo>
+                    <a:pt x="2702399" y="2296530"/>
+                  </a:lnTo>
+                  <a:lnTo>
+                    <a:pt x="2694934" y="2212585"/>
+                  </a:lnTo>
+                  <a:lnTo>
+                    <a:pt x="2684615" y="2128944"/>
+                  </a:lnTo>
+                  <a:lnTo>
+                    <a:pt x="2671452" y="2045702"/>
+                  </a:lnTo>
+                  <a:lnTo>
+                    <a:pt x="2655461" y="1962958"/>
+                  </a:lnTo>
+                  <a:lnTo>
+                    <a:pt x="2636661" y="1880806"/>
+                  </a:lnTo>
+                  <a:lnTo>
+                    <a:pt x="2615073" y="1799342"/>
+                  </a:lnTo>
+                  <a:lnTo>
+                    <a:pt x="2590723" y="1718661"/>
+                  </a:lnTo>
+                  <a:lnTo>
+                    <a:pt x="2563639" y="1638856"/>
+                  </a:lnTo>
+                  <a:lnTo>
+                    <a:pt x="2533851" y="1560020"/>
+                  </a:lnTo>
+                  <a:lnTo>
+                    <a:pt x="2501396" y="1482245"/>
+                  </a:lnTo>
+                  <a:lnTo>
+                    <a:pt x="2466310" y="1405620"/>
+                  </a:lnTo>
+                  <a:lnTo>
+                    <a:pt x="2428633" y="1330235"/>
+                  </a:lnTo>
+                  <a:lnTo>
+                    <a:pt x="2388411" y="1256177"/>
+                  </a:lnTo>
+                  <a:lnTo>
+                    <a:pt x="2345690" y="1183532"/>
+                  </a:lnTo>
+                  <a:lnTo>
+                    <a:pt x="2300518" y="1112385"/>
+                  </a:lnTo>
+                  <a:lnTo>
+                    <a:pt x="2252950" y="1042818"/>
+                  </a:lnTo>
+                  <a:lnTo>
+                    <a:pt x="2203039" y="974911"/>
+                  </a:lnTo>
+                  <a:lnTo>
+                    <a:pt x="2150843" y="908745"/>
+                  </a:lnTo>
+                  <a:lnTo>
+                    <a:pt x="2096424" y="844394"/>
+                  </a:lnTo>
+                  <a:lnTo>
+                    <a:pt x="2039845" y="781935"/>
+                  </a:lnTo>
+                  <a:lnTo>
+                    <a:pt x="1981171" y="721440"/>
+                  </a:lnTo>
+                  <a:lnTo>
+                    <a:pt x="1920470" y="662978"/>
+                  </a:lnTo>
+                  <a:lnTo>
+                    <a:pt x="1857812" y="606618"/>
+                  </a:lnTo>
+                  <a:lnTo>
+                    <a:pt x="1793272" y="552425"/>
+                  </a:lnTo>
+                  <a:lnTo>
+                    <a:pt x="1726922" y="500462"/>
+                  </a:lnTo>
+                  <a:lnTo>
+                    <a:pt x="1658841" y="450789"/>
+                  </a:lnTo>
+                  <a:lnTo>
+                    <a:pt x="1589107" y="403465"/>
+                  </a:lnTo>
+                  <a:lnTo>
+                    <a:pt x="1517802" y="358543"/>
+                  </a:lnTo>
+                  <a:lnTo>
+                    <a:pt x="1445008" y="316077"/>
+                  </a:lnTo>
+                  <a:lnTo>
+                    <a:pt x="1370810" y="276115"/>
+                  </a:lnTo>
+                  <a:lnTo>
+                    <a:pt x="1295293" y="238703"/>
+                  </a:lnTo>
+                  <a:lnTo>
+                    <a:pt x="1218546" y="203886"/>
+                  </a:lnTo>
+                  <a:lnTo>
+                    <a:pt x="1140657" y="171703"/>
+                  </a:lnTo>
+                  <a:lnTo>
+                    <a:pt x="1061717" y="142193"/>
+                  </a:lnTo>
+                  <a:lnTo>
+                    <a:pt x="981818" y="115388"/>
+                  </a:lnTo>
+                  <a:lnTo>
+                    <a:pt x="901051" y="91321"/>
+                  </a:lnTo>
+                  <a:lnTo>
+                    <a:pt x="819512" y="70019"/>
+                  </a:lnTo>
+                  <a:lnTo>
+                    <a:pt x="737295" y="51507"/>
+                  </a:lnTo>
+                  <a:lnTo>
+                    <a:pt x="654495" y="35807"/>
+                  </a:lnTo>
+                  <a:lnTo>
+                    <a:pt x="571208" y="22936"/>
+                  </a:lnTo>
+                  <a:lnTo>
+                    <a:pt x="487531" y="12910"/>
+                  </a:lnTo>
+                  <a:lnTo>
+                    <a:pt x="403561" y="5740"/>
+                  </a:lnTo>
+                  <a:lnTo>
+                    <a:pt x="319395" y="1435"/>
+                  </a:lnTo>
+                  <a:lnTo>
+                    <a:pt x="235131" y="0"/>
+                  </a:lnTo>
+                  <a:lnTo>
+                    <a:pt x="235131" y="85297"/>
+                  </a:lnTo>
+                  <a:lnTo>
+                    <a:pt x="235131" y="170594"/>
+                  </a:lnTo>
+                  <a:lnTo>
+                    <a:pt x="235131" y="255891"/>
+                  </a:lnTo>
+                  <a:lnTo>
+                    <a:pt x="235131" y="341188"/>
+                  </a:lnTo>
+                  <a:lnTo>
+                    <a:pt x="235131" y="426485"/>
+                  </a:lnTo>
+                  <a:lnTo>
+                    <a:pt x="235131" y="511782"/>
+                  </a:lnTo>
+                  <a:lnTo>
+                    <a:pt x="235131" y="597079"/>
+                  </a:lnTo>
+                  <a:lnTo>
+                    <a:pt x="235131" y="682376"/>
+                  </a:lnTo>
+                  <a:lnTo>
+                    <a:pt x="235131" y="767673"/>
+                  </a:lnTo>
+                  <a:lnTo>
+                    <a:pt x="235131" y="852970"/>
+                  </a:lnTo>
+                  <a:lnTo>
+                    <a:pt x="235131" y="938267"/>
+                  </a:lnTo>
+                  <a:lnTo>
+                    <a:pt x="235131" y="1023564"/>
+                  </a:lnTo>
+                  <a:lnTo>
+                    <a:pt x="235131" y="1108861"/>
+                  </a:lnTo>
+                  <a:lnTo>
+                    <a:pt x="235131" y="1194158"/>
+                  </a:lnTo>
+                  <a:lnTo>
+                    <a:pt x="235131" y="1279455"/>
+                  </a:lnTo>
+                  <a:lnTo>
+                    <a:pt x="235131" y="1364752"/>
+                  </a:lnTo>
+                  <a:lnTo>
+                    <a:pt x="235131" y="1450049"/>
+                  </a:lnTo>
+                  <a:lnTo>
+                    <a:pt x="235131" y="1535346"/>
+                  </a:lnTo>
+                  <a:lnTo>
+                    <a:pt x="235131" y="1620643"/>
+                  </a:lnTo>
+                  <a:lnTo>
+                    <a:pt x="235131" y="1705940"/>
+                  </a:lnTo>
+                  <a:lnTo>
+                    <a:pt x="235131" y="1791237"/>
+                  </a:lnTo>
+                  <a:lnTo>
+                    <a:pt x="235131" y="1876534"/>
+                  </a:lnTo>
+                  <a:lnTo>
+                    <a:pt x="235131" y="1961831"/>
+                  </a:lnTo>
+                  <a:lnTo>
+                    <a:pt x="235131" y="2047128"/>
+                  </a:lnTo>
+                  <a:lnTo>
+                    <a:pt x="235131" y="2132425"/>
+                  </a:lnTo>
+                  <a:lnTo>
+                    <a:pt x="235131" y="2217722"/>
+                  </a:lnTo>
+                  <a:lnTo>
+                    <a:pt x="235131" y="2303019"/>
+                  </a:lnTo>
+                  <a:lnTo>
+                    <a:pt x="235131" y="2388316"/>
                   </a:lnTo>
                   <a:close/>
                 </a:path>
@@ -2803,204 +2797,204 @@
           </p:nvSpPr>
           <p:spPr>
             <a:xfrm>
-              <a:off x="4612457" y="4223182"/>
-              <a:ext cx="873942" cy="2447854"/>
+              <a:off x="4699650" y="4223182"/>
+              <a:ext cx="786749" cy="2462413"/>
             </a:xfrm>
             <a:custGeom>
               <a:avLst/>
               <a:pathLst>
-                <a:path w="873942" h="2447854">
+                <a:path w="786749" h="2462413">
                   <a:moveTo>
-                    <a:pt x="873942" y="0"/>
+                    <a:pt x="786749" y="0"/>
                   </a:moveTo>
                   <a:lnTo>
-                    <a:pt x="843806" y="79796"/>
-                  </a:lnTo>
-                  <a:lnTo>
-                    <a:pt x="813670" y="159592"/>
-                  </a:lnTo>
-                  <a:lnTo>
-                    <a:pt x="783534" y="239388"/>
-                  </a:lnTo>
-                  <a:lnTo>
-                    <a:pt x="753398" y="319184"/>
-                  </a:lnTo>
-                  <a:lnTo>
-                    <a:pt x="723262" y="398980"/>
-                  </a:lnTo>
-                  <a:lnTo>
-                    <a:pt x="693126" y="478776"/>
-                  </a:lnTo>
-                  <a:lnTo>
-                    <a:pt x="662990" y="558572"/>
-                  </a:lnTo>
-                  <a:lnTo>
-                    <a:pt x="632854" y="638368"/>
-                  </a:lnTo>
-                  <a:lnTo>
-                    <a:pt x="602718" y="718164"/>
-                  </a:lnTo>
-                  <a:lnTo>
-                    <a:pt x="572583" y="797960"/>
-                  </a:lnTo>
-                  <a:lnTo>
-                    <a:pt x="542447" y="877756"/>
-                  </a:lnTo>
-                  <a:lnTo>
-                    <a:pt x="512311" y="957552"/>
-                  </a:lnTo>
-                  <a:lnTo>
-                    <a:pt x="482175" y="1037348"/>
-                  </a:lnTo>
-                  <a:lnTo>
-                    <a:pt x="452039" y="1117144"/>
-                  </a:lnTo>
-                  <a:lnTo>
-                    <a:pt x="421903" y="1196940"/>
-                  </a:lnTo>
-                  <a:lnTo>
-                    <a:pt x="391767" y="1276736"/>
-                  </a:lnTo>
-                  <a:lnTo>
-                    <a:pt x="361631" y="1356532"/>
-                  </a:lnTo>
-                  <a:lnTo>
-                    <a:pt x="331495" y="1436328"/>
-                  </a:lnTo>
-                  <a:lnTo>
-                    <a:pt x="301359" y="1516124"/>
-                  </a:lnTo>
-                  <a:lnTo>
-                    <a:pt x="271223" y="1595920"/>
-                  </a:lnTo>
-                  <a:lnTo>
-                    <a:pt x="241087" y="1675716"/>
-                  </a:lnTo>
-                  <a:lnTo>
-                    <a:pt x="210951" y="1755512"/>
-                  </a:lnTo>
-                  <a:lnTo>
-                    <a:pt x="180815" y="1835308"/>
-                  </a:lnTo>
-                  <a:lnTo>
-                    <a:pt x="150679" y="1915105"/>
-                  </a:lnTo>
-                  <a:lnTo>
-                    <a:pt x="120543" y="1994901"/>
-                  </a:lnTo>
-                  <a:lnTo>
-                    <a:pt x="90407" y="2074697"/>
-                  </a:lnTo>
-                  <a:lnTo>
-                    <a:pt x="60271" y="2154493"/>
-                  </a:lnTo>
-                  <a:lnTo>
-                    <a:pt x="30135" y="2234289"/>
-                  </a:lnTo>
-                  <a:lnTo>
-                    <a:pt x="0" y="2314085"/>
-                  </a:lnTo>
-                  <a:lnTo>
-                    <a:pt x="84113" y="2344128"/>
-                  </a:lnTo>
-                  <a:lnTo>
-                    <a:pt x="169257" y="2371114"/>
-                  </a:lnTo>
-                  <a:lnTo>
-                    <a:pt x="255319" y="2395009"/>
-                  </a:lnTo>
-                  <a:lnTo>
-                    <a:pt x="342188" y="2415782"/>
-                  </a:lnTo>
-                  <a:lnTo>
-                    <a:pt x="429750" y="2433404"/>
-                  </a:lnTo>
-                  <a:lnTo>
-                    <a:pt x="517892" y="2447854"/>
-                  </a:lnTo>
-                  <a:lnTo>
-                    <a:pt x="530169" y="2363446"/>
-                  </a:lnTo>
-                  <a:lnTo>
-                    <a:pt x="542447" y="2279037"/>
-                  </a:lnTo>
-                  <a:lnTo>
-                    <a:pt x="554724" y="2194628"/>
-                  </a:lnTo>
-                  <a:lnTo>
-                    <a:pt x="567002" y="2110219"/>
-                  </a:lnTo>
-                  <a:lnTo>
-                    <a:pt x="579280" y="2025811"/>
-                  </a:lnTo>
-                  <a:lnTo>
-                    <a:pt x="591557" y="1941402"/>
-                  </a:lnTo>
-                  <a:lnTo>
-                    <a:pt x="603835" y="1856993"/>
-                  </a:lnTo>
-                  <a:lnTo>
-                    <a:pt x="616112" y="1772584"/>
-                  </a:lnTo>
-                  <a:lnTo>
-                    <a:pt x="628390" y="1688175"/>
-                  </a:lnTo>
-                  <a:lnTo>
-                    <a:pt x="640668" y="1603767"/>
-                  </a:lnTo>
-                  <a:lnTo>
-                    <a:pt x="652945" y="1519358"/>
-                  </a:lnTo>
-                  <a:lnTo>
-                    <a:pt x="665223" y="1434949"/>
-                  </a:lnTo>
-                  <a:lnTo>
-                    <a:pt x="677500" y="1350540"/>
-                  </a:lnTo>
-                  <a:lnTo>
-                    <a:pt x="689778" y="1266131"/>
-                  </a:lnTo>
-                  <a:lnTo>
-                    <a:pt x="702056" y="1181723"/>
-                  </a:lnTo>
-                  <a:lnTo>
-                    <a:pt x="714333" y="1097314"/>
-                  </a:lnTo>
-                  <a:lnTo>
-                    <a:pt x="726611" y="1012905"/>
-                  </a:lnTo>
-                  <a:lnTo>
-                    <a:pt x="738888" y="928496"/>
-                  </a:lnTo>
-                  <a:lnTo>
-                    <a:pt x="751166" y="844087"/>
-                  </a:lnTo>
-                  <a:lnTo>
-                    <a:pt x="763444" y="759679"/>
-                  </a:lnTo>
-                  <a:lnTo>
-                    <a:pt x="775721" y="675270"/>
-                  </a:lnTo>
-                  <a:lnTo>
-                    <a:pt x="787999" y="590861"/>
-                  </a:lnTo>
-                  <a:lnTo>
-                    <a:pt x="800276" y="506452"/>
-                  </a:lnTo>
-                  <a:lnTo>
-                    <a:pt x="812554" y="422043"/>
-                  </a:lnTo>
-                  <a:lnTo>
-                    <a:pt x="824832" y="337635"/>
-                  </a:lnTo>
-                  <a:lnTo>
-                    <a:pt x="837109" y="253226"/>
-                  </a:lnTo>
-                  <a:lnTo>
-                    <a:pt x="849387" y="168817"/>
-                  </a:lnTo>
-                  <a:lnTo>
-                    <a:pt x="861664" y="84408"/>
+                    <a:pt x="759620" y="80867"/>
+                  </a:lnTo>
+                  <a:lnTo>
+                    <a:pt x="732491" y="161735"/>
+                  </a:lnTo>
+                  <a:lnTo>
+                    <a:pt x="705362" y="242603"/>
+                  </a:lnTo>
+                  <a:lnTo>
+                    <a:pt x="678232" y="323470"/>
+                  </a:lnTo>
+                  <a:lnTo>
+                    <a:pt x="651103" y="404338"/>
+                  </a:lnTo>
+                  <a:lnTo>
+                    <a:pt x="623974" y="485206"/>
+                  </a:lnTo>
+                  <a:lnTo>
+                    <a:pt x="596844" y="566073"/>
+                  </a:lnTo>
+                  <a:lnTo>
+                    <a:pt x="569715" y="646941"/>
+                  </a:lnTo>
+                  <a:lnTo>
+                    <a:pt x="542586" y="727809"/>
+                  </a:lnTo>
+                  <a:lnTo>
+                    <a:pt x="515456" y="808676"/>
+                  </a:lnTo>
+                  <a:lnTo>
+                    <a:pt x="488327" y="889544"/>
+                  </a:lnTo>
+                  <a:lnTo>
+                    <a:pt x="461198" y="970412"/>
+                  </a:lnTo>
+                  <a:lnTo>
+                    <a:pt x="434068" y="1051280"/>
+                  </a:lnTo>
+                  <a:lnTo>
+                    <a:pt x="406939" y="1132147"/>
+                  </a:lnTo>
+                  <a:lnTo>
+                    <a:pt x="379810" y="1213015"/>
+                  </a:lnTo>
+                  <a:lnTo>
+                    <a:pt x="352681" y="1293883"/>
+                  </a:lnTo>
+                  <a:lnTo>
+                    <a:pt x="325551" y="1374750"/>
+                  </a:lnTo>
+                  <a:lnTo>
+                    <a:pt x="298422" y="1455618"/>
+                  </a:lnTo>
+                  <a:lnTo>
+                    <a:pt x="271293" y="1536486"/>
+                  </a:lnTo>
+                  <a:lnTo>
+                    <a:pt x="244163" y="1617353"/>
+                  </a:lnTo>
+                  <a:lnTo>
+                    <a:pt x="217034" y="1698221"/>
+                  </a:lnTo>
+                  <a:lnTo>
+                    <a:pt x="189905" y="1779089"/>
+                  </a:lnTo>
+                  <a:lnTo>
+                    <a:pt x="162775" y="1859957"/>
+                  </a:lnTo>
+                  <a:lnTo>
+                    <a:pt x="135646" y="1940824"/>
+                  </a:lnTo>
+                  <a:lnTo>
+                    <a:pt x="108517" y="2021692"/>
+                  </a:lnTo>
+                  <a:lnTo>
+                    <a:pt x="81387" y="2102560"/>
+                  </a:lnTo>
+                  <a:lnTo>
+                    <a:pt x="54258" y="2183427"/>
+                  </a:lnTo>
+                  <a:lnTo>
+                    <a:pt x="27129" y="2264295"/>
+                  </a:lnTo>
+                  <a:lnTo>
+                    <a:pt x="0" y="2345163"/>
+                  </a:lnTo>
+                  <a:lnTo>
+                    <a:pt x="89852" y="2373415"/>
+                  </a:lnTo>
+                  <a:lnTo>
+                    <a:pt x="180715" y="2398225"/>
+                  </a:lnTo>
+                  <a:lnTo>
+                    <a:pt x="272456" y="2419559"/>
+                  </a:lnTo>
+                  <a:lnTo>
+                    <a:pt x="364943" y="2437384"/>
+                  </a:lnTo>
+                  <a:lnTo>
+                    <a:pt x="458042" y="2451676"/>
+                  </a:lnTo>
+                  <a:lnTo>
+                    <a:pt x="551618" y="2462413"/>
+                  </a:lnTo>
+                  <a:lnTo>
+                    <a:pt x="559726" y="2377502"/>
+                  </a:lnTo>
+                  <a:lnTo>
+                    <a:pt x="567834" y="2292591"/>
+                  </a:lnTo>
+                  <a:lnTo>
+                    <a:pt x="575941" y="2207680"/>
+                  </a:lnTo>
+                  <a:lnTo>
+                    <a:pt x="584049" y="2122770"/>
+                  </a:lnTo>
+                  <a:lnTo>
+                    <a:pt x="592157" y="2037859"/>
+                  </a:lnTo>
+                  <a:lnTo>
+                    <a:pt x="600265" y="1952948"/>
+                  </a:lnTo>
+                  <a:lnTo>
+                    <a:pt x="608373" y="1868037"/>
+                  </a:lnTo>
+                  <a:lnTo>
+                    <a:pt x="616481" y="1783126"/>
+                  </a:lnTo>
+                  <a:lnTo>
+                    <a:pt x="624589" y="1698216"/>
+                  </a:lnTo>
+                  <a:lnTo>
+                    <a:pt x="632697" y="1613305"/>
+                  </a:lnTo>
+                  <a:lnTo>
+                    <a:pt x="640805" y="1528394"/>
+                  </a:lnTo>
+                  <a:lnTo>
+                    <a:pt x="648913" y="1443483"/>
+                  </a:lnTo>
+                  <a:lnTo>
+                    <a:pt x="657021" y="1358572"/>
+                  </a:lnTo>
+                  <a:lnTo>
+                    <a:pt x="665129" y="1273662"/>
+                  </a:lnTo>
+                  <a:lnTo>
+                    <a:pt x="673237" y="1188751"/>
+                  </a:lnTo>
+                  <a:lnTo>
+                    <a:pt x="681345" y="1103840"/>
+                  </a:lnTo>
+                  <a:lnTo>
+                    <a:pt x="689453" y="1018929"/>
+                  </a:lnTo>
+                  <a:lnTo>
+                    <a:pt x="697561" y="934018"/>
+                  </a:lnTo>
+                  <a:lnTo>
+                    <a:pt x="705669" y="849108"/>
+                  </a:lnTo>
+                  <a:lnTo>
+                    <a:pt x="713777" y="764197"/>
+                  </a:lnTo>
+                  <a:lnTo>
+                    <a:pt x="721885" y="679286"/>
+                  </a:lnTo>
+                  <a:lnTo>
+                    <a:pt x="729993" y="594375"/>
+                  </a:lnTo>
+                  <a:lnTo>
+                    <a:pt x="738101" y="509464"/>
+                  </a:lnTo>
+                  <a:lnTo>
+                    <a:pt x="746209" y="424554"/>
+                  </a:lnTo>
+                  <a:lnTo>
+                    <a:pt x="754317" y="339643"/>
+                  </a:lnTo>
+                  <a:lnTo>
+                    <a:pt x="762425" y="254732"/>
+                  </a:lnTo>
+                  <a:lnTo>
+                    <a:pt x="770533" y="169821"/>
+                  </a:lnTo>
+                  <a:lnTo>
+                    <a:pt x="778641" y="84910"/>
                   </a:lnTo>
                   <a:close/>
                 </a:path>
@@ -3035,234 +3029,234 @@
           </p:nvSpPr>
           <p:spPr>
             <a:xfrm>
-              <a:off x="3544520" y="4223182"/>
-              <a:ext cx="1941879" cy="2314085"/>
+              <a:off x="3556652" y="4223182"/>
+              <a:ext cx="1929747" cy="2345163"/>
             </a:xfrm>
             <a:custGeom>
               <a:avLst/>
               <a:pathLst>
-                <a:path w="1941879" h="2314085">
+                <a:path w="1929747" h="2345163">
                   <a:moveTo>
-                    <a:pt x="1941879" y="0"/>
+                    <a:pt x="1929747" y="0"/>
                   </a:moveTo>
                   <a:lnTo>
-                    <a:pt x="1874918" y="52837"/>
-                  </a:lnTo>
-                  <a:lnTo>
-                    <a:pt x="1807956" y="105674"/>
-                  </a:lnTo>
-                  <a:lnTo>
-                    <a:pt x="1740995" y="158511"/>
-                  </a:lnTo>
-                  <a:lnTo>
-                    <a:pt x="1674034" y="211348"/>
-                  </a:lnTo>
-                  <a:lnTo>
-                    <a:pt x="1607072" y="264185"/>
-                  </a:lnTo>
-                  <a:lnTo>
-                    <a:pt x="1540111" y="317022"/>
-                  </a:lnTo>
-                  <a:lnTo>
-                    <a:pt x="1473149" y="369859"/>
-                  </a:lnTo>
-                  <a:lnTo>
-                    <a:pt x="1406188" y="422696"/>
-                  </a:lnTo>
-                  <a:lnTo>
-                    <a:pt x="1339227" y="475533"/>
-                  </a:lnTo>
-                  <a:lnTo>
-                    <a:pt x="1272265" y="528371"/>
-                  </a:lnTo>
-                  <a:lnTo>
-                    <a:pt x="1205304" y="581208"/>
-                  </a:lnTo>
-                  <a:lnTo>
-                    <a:pt x="1138343" y="634045"/>
-                  </a:lnTo>
-                  <a:lnTo>
-                    <a:pt x="1071381" y="686882"/>
-                  </a:lnTo>
-                  <a:lnTo>
-                    <a:pt x="1004420" y="739719"/>
-                  </a:lnTo>
-                  <a:lnTo>
-                    <a:pt x="937459" y="792556"/>
-                  </a:lnTo>
-                  <a:lnTo>
-                    <a:pt x="870497" y="845393"/>
-                  </a:lnTo>
-                  <a:lnTo>
-                    <a:pt x="803536" y="898230"/>
-                  </a:lnTo>
-                  <a:lnTo>
-                    <a:pt x="736574" y="951067"/>
-                  </a:lnTo>
-                  <a:lnTo>
-                    <a:pt x="669613" y="1003905"/>
-                  </a:lnTo>
-                  <a:lnTo>
-                    <a:pt x="602652" y="1056742"/>
-                  </a:lnTo>
-                  <a:lnTo>
-                    <a:pt x="535690" y="1109579"/>
-                  </a:lnTo>
-                  <a:lnTo>
-                    <a:pt x="468729" y="1162416"/>
-                  </a:lnTo>
-                  <a:lnTo>
-                    <a:pt x="401768" y="1215253"/>
-                  </a:lnTo>
-                  <a:lnTo>
-                    <a:pt x="334806" y="1268090"/>
-                  </a:lnTo>
-                  <a:lnTo>
-                    <a:pt x="267845" y="1320927"/>
-                  </a:lnTo>
-                  <a:lnTo>
-                    <a:pt x="200884" y="1373764"/>
-                  </a:lnTo>
-                  <a:lnTo>
-                    <a:pt x="133922" y="1426601"/>
-                  </a:lnTo>
-                  <a:lnTo>
-                    <a:pt x="66961" y="1479438"/>
-                  </a:lnTo>
-                  <a:lnTo>
-                    <a:pt x="0" y="1532276"/>
-                  </a:lnTo>
-                  <a:lnTo>
-                    <a:pt x="52975" y="1597124"/>
-                  </a:lnTo>
-                  <a:lnTo>
-                    <a:pt x="108115" y="1660143"/>
-                  </a:lnTo>
-                  <a:lnTo>
-                    <a:pt x="165356" y="1721259"/>
-                  </a:lnTo>
-                  <a:lnTo>
-                    <a:pt x="224634" y="1780402"/>
-                  </a:lnTo>
-                  <a:lnTo>
-                    <a:pt x="285879" y="1837506"/>
-                  </a:lnTo>
-                  <a:lnTo>
-                    <a:pt x="349021" y="1892503"/>
-                  </a:lnTo>
-                  <a:lnTo>
-                    <a:pt x="413989" y="1945332"/>
-                  </a:lnTo>
-                  <a:lnTo>
-                    <a:pt x="480708" y="1995932"/>
-                  </a:lnTo>
-                  <a:lnTo>
-                    <a:pt x="549102" y="2044244"/>
-                  </a:lnTo>
-                  <a:lnTo>
-                    <a:pt x="619091" y="2090214"/>
-                  </a:lnTo>
-                  <a:lnTo>
-                    <a:pt x="690596" y="2133789"/>
-                  </a:lnTo>
-                  <a:lnTo>
-                    <a:pt x="763535" y="2174918"/>
-                  </a:lnTo>
-                  <a:lnTo>
-                    <a:pt x="837825" y="2213556"/>
-                  </a:lnTo>
-                  <a:lnTo>
-                    <a:pt x="913379" y="2249656"/>
-                  </a:lnTo>
-                  <a:lnTo>
-                    <a:pt x="990113" y="2283179"/>
-                  </a:lnTo>
-                  <a:lnTo>
-                    <a:pt x="1067936" y="2314085"/>
-                  </a:lnTo>
-                  <a:lnTo>
-                    <a:pt x="1098072" y="2234289"/>
-                  </a:lnTo>
-                  <a:lnTo>
-                    <a:pt x="1128208" y="2154493"/>
-                  </a:lnTo>
-                  <a:lnTo>
-                    <a:pt x="1158344" y="2074697"/>
-                  </a:lnTo>
-                  <a:lnTo>
-                    <a:pt x="1188480" y="1994901"/>
-                  </a:lnTo>
-                  <a:lnTo>
-                    <a:pt x="1218616" y="1915105"/>
-                  </a:lnTo>
-                  <a:lnTo>
-                    <a:pt x="1248752" y="1835308"/>
-                  </a:lnTo>
-                  <a:lnTo>
-                    <a:pt x="1278888" y="1755512"/>
-                  </a:lnTo>
-                  <a:lnTo>
-                    <a:pt x="1309024" y="1675716"/>
-                  </a:lnTo>
-                  <a:lnTo>
-                    <a:pt x="1339160" y="1595920"/>
-                  </a:lnTo>
-                  <a:lnTo>
-                    <a:pt x="1369296" y="1516124"/>
-                  </a:lnTo>
-                  <a:lnTo>
-                    <a:pt x="1399432" y="1436328"/>
-                  </a:lnTo>
-                  <a:lnTo>
-                    <a:pt x="1429568" y="1356532"/>
-                  </a:lnTo>
-                  <a:lnTo>
-                    <a:pt x="1459704" y="1276736"/>
-                  </a:lnTo>
-                  <a:lnTo>
-                    <a:pt x="1489840" y="1196940"/>
-                  </a:lnTo>
-                  <a:lnTo>
-                    <a:pt x="1519976" y="1117144"/>
-                  </a:lnTo>
-                  <a:lnTo>
-                    <a:pt x="1550112" y="1037348"/>
-                  </a:lnTo>
-                  <a:lnTo>
-                    <a:pt x="1580248" y="957552"/>
-                  </a:lnTo>
-                  <a:lnTo>
-                    <a:pt x="1610384" y="877756"/>
-                  </a:lnTo>
-                  <a:lnTo>
-                    <a:pt x="1640519" y="797960"/>
-                  </a:lnTo>
-                  <a:lnTo>
-                    <a:pt x="1670655" y="718164"/>
-                  </a:lnTo>
-                  <a:lnTo>
-                    <a:pt x="1700791" y="638368"/>
-                  </a:lnTo>
-                  <a:lnTo>
-                    <a:pt x="1730927" y="558572"/>
-                  </a:lnTo>
-                  <a:lnTo>
-                    <a:pt x="1761063" y="478776"/>
-                  </a:lnTo>
-                  <a:lnTo>
-                    <a:pt x="1791199" y="398980"/>
-                  </a:lnTo>
-                  <a:lnTo>
-                    <a:pt x="1821335" y="319184"/>
-                  </a:lnTo>
-                  <a:lnTo>
-                    <a:pt x="1851471" y="239388"/>
-                  </a:lnTo>
-                  <a:lnTo>
-                    <a:pt x="1881607" y="159592"/>
-                  </a:lnTo>
-                  <a:lnTo>
-                    <a:pt x="1911743" y="79796"/>
+                    <a:pt x="1863204" y="53363"/>
+                  </a:lnTo>
+                  <a:lnTo>
+                    <a:pt x="1796661" y="106726"/>
+                  </a:lnTo>
+                  <a:lnTo>
+                    <a:pt x="1730118" y="160089"/>
+                  </a:lnTo>
+                  <a:lnTo>
+                    <a:pt x="1663575" y="213452"/>
+                  </a:lnTo>
+                  <a:lnTo>
+                    <a:pt x="1597032" y="266815"/>
+                  </a:lnTo>
+                  <a:lnTo>
+                    <a:pt x="1530489" y="320178"/>
+                  </a:lnTo>
+                  <a:lnTo>
+                    <a:pt x="1463946" y="373541"/>
+                  </a:lnTo>
+                  <a:lnTo>
+                    <a:pt x="1397403" y="426904"/>
+                  </a:lnTo>
+                  <a:lnTo>
+                    <a:pt x="1330860" y="480267"/>
+                  </a:lnTo>
+                  <a:lnTo>
+                    <a:pt x="1264317" y="533630"/>
+                  </a:lnTo>
+                  <a:lnTo>
+                    <a:pt x="1197774" y="586993"/>
+                  </a:lnTo>
+                  <a:lnTo>
+                    <a:pt x="1131231" y="640356"/>
+                  </a:lnTo>
+                  <a:lnTo>
+                    <a:pt x="1064688" y="693719"/>
+                  </a:lnTo>
+                  <a:lnTo>
+                    <a:pt x="998145" y="747082"/>
+                  </a:lnTo>
+                  <a:lnTo>
+                    <a:pt x="931602" y="800445"/>
+                  </a:lnTo>
+                  <a:lnTo>
+                    <a:pt x="865059" y="853808"/>
+                  </a:lnTo>
+                  <a:lnTo>
+                    <a:pt x="798516" y="907171"/>
+                  </a:lnTo>
+                  <a:lnTo>
+                    <a:pt x="731973" y="960534"/>
+                  </a:lnTo>
+                  <a:lnTo>
+                    <a:pt x="665430" y="1013897"/>
+                  </a:lnTo>
+                  <a:lnTo>
+                    <a:pt x="598887" y="1067260"/>
+                  </a:lnTo>
+                  <a:lnTo>
+                    <a:pt x="532344" y="1120623"/>
+                  </a:lnTo>
+                  <a:lnTo>
+                    <a:pt x="465801" y="1173986"/>
+                  </a:lnTo>
+                  <a:lnTo>
+                    <a:pt x="399258" y="1227349"/>
+                  </a:lnTo>
+                  <a:lnTo>
+                    <a:pt x="332715" y="1280712"/>
+                  </a:lnTo>
+                  <a:lnTo>
+                    <a:pt x="266172" y="1334075"/>
+                  </a:lnTo>
+                  <a:lnTo>
+                    <a:pt x="199629" y="1387438"/>
+                  </a:lnTo>
+                  <a:lnTo>
+                    <a:pt x="133086" y="1440801"/>
+                  </a:lnTo>
+                  <a:lnTo>
+                    <a:pt x="66543" y="1494164"/>
+                  </a:lnTo>
+                  <a:lnTo>
+                    <a:pt x="0" y="1547527"/>
+                  </a:lnTo>
+                  <a:lnTo>
+                    <a:pt x="56464" y="1615418"/>
+                  </a:lnTo>
+                  <a:lnTo>
+                    <a:pt x="115316" y="1681251"/>
+                  </a:lnTo>
+                  <a:lnTo>
+                    <a:pt x="176480" y="1744941"/>
+                  </a:lnTo>
+                  <a:lnTo>
+                    <a:pt x="239878" y="1806407"/>
+                  </a:lnTo>
+                  <a:lnTo>
+                    <a:pt x="305429" y="1865572"/>
+                  </a:lnTo>
+                  <a:lnTo>
+                    <a:pt x="373051" y="1922359"/>
+                  </a:lnTo>
+                  <a:lnTo>
+                    <a:pt x="442656" y="1976696"/>
+                  </a:lnTo>
+                  <a:lnTo>
+                    <a:pt x="514157" y="2028514"/>
+                  </a:lnTo>
+                  <a:lnTo>
+                    <a:pt x="587461" y="2077747"/>
+                  </a:lnTo>
+                  <a:lnTo>
+                    <a:pt x="662476" y="2124333"/>
+                  </a:lnTo>
+                  <a:lnTo>
+                    <a:pt x="739106" y="2168211"/>
+                  </a:lnTo>
+                  <a:lnTo>
+                    <a:pt x="817253" y="2209326"/>
+                  </a:lnTo>
+                  <a:lnTo>
+                    <a:pt x="896818" y="2247626"/>
+                  </a:lnTo>
+                  <a:lnTo>
+                    <a:pt x="977699" y="2283061"/>
+                  </a:lnTo>
+                  <a:lnTo>
+                    <a:pt x="1059794" y="2315587"/>
+                  </a:lnTo>
+                  <a:lnTo>
+                    <a:pt x="1142997" y="2345163"/>
+                  </a:lnTo>
+                  <a:lnTo>
+                    <a:pt x="1170126" y="2264295"/>
+                  </a:lnTo>
+                  <a:lnTo>
+                    <a:pt x="1197255" y="2183427"/>
+                  </a:lnTo>
+                  <a:lnTo>
+                    <a:pt x="1224385" y="2102560"/>
+                  </a:lnTo>
+                  <a:lnTo>
+                    <a:pt x="1251514" y="2021692"/>
+                  </a:lnTo>
+                  <a:lnTo>
+                    <a:pt x="1278643" y="1940824"/>
+                  </a:lnTo>
+                  <a:lnTo>
+                    <a:pt x="1305773" y="1859957"/>
+                  </a:lnTo>
+                  <a:lnTo>
+                    <a:pt x="1332902" y="1779089"/>
+                  </a:lnTo>
+                  <a:lnTo>
+                    <a:pt x="1360031" y="1698221"/>
+                  </a:lnTo>
+                  <a:lnTo>
+                    <a:pt x="1387160" y="1617353"/>
+                  </a:lnTo>
+                  <a:lnTo>
+                    <a:pt x="1414290" y="1536486"/>
+                  </a:lnTo>
+                  <a:lnTo>
+                    <a:pt x="1441419" y="1455618"/>
+                  </a:lnTo>
+                  <a:lnTo>
+                    <a:pt x="1468548" y="1374750"/>
+                  </a:lnTo>
+                  <a:lnTo>
+                    <a:pt x="1495678" y="1293883"/>
+                  </a:lnTo>
+                  <a:lnTo>
+                    <a:pt x="1522807" y="1213015"/>
+                  </a:lnTo>
+                  <a:lnTo>
+                    <a:pt x="1549936" y="1132147"/>
+                  </a:lnTo>
+                  <a:lnTo>
+                    <a:pt x="1577066" y="1051280"/>
+                  </a:lnTo>
+                  <a:lnTo>
+                    <a:pt x="1604195" y="970412"/>
+                  </a:lnTo>
+                  <a:lnTo>
+                    <a:pt x="1631324" y="889544"/>
+                  </a:lnTo>
+                  <a:lnTo>
+                    <a:pt x="1658454" y="808676"/>
+                  </a:lnTo>
+                  <a:lnTo>
+                    <a:pt x="1685583" y="727809"/>
+                  </a:lnTo>
+                  <a:lnTo>
+                    <a:pt x="1712712" y="646941"/>
+                  </a:lnTo>
+                  <a:lnTo>
+                    <a:pt x="1739841" y="566073"/>
+                  </a:lnTo>
+                  <a:lnTo>
+                    <a:pt x="1766971" y="485206"/>
+                  </a:lnTo>
+                  <a:lnTo>
+                    <a:pt x="1794100" y="404338"/>
+                  </a:lnTo>
+                  <a:lnTo>
+                    <a:pt x="1821229" y="323470"/>
+                  </a:lnTo>
+                  <a:lnTo>
+                    <a:pt x="1848359" y="242603"/>
+                  </a:lnTo>
+                  <a:lnTo>
+                    <a:pt x="1875488" y="161735"/>
+                  </a:lnTo>
+                  <a:lnTo>
+                    <a:pt x="1902617" y="80867"/>
                   </a:lnTo>
                   <a:close/>
                 </a:path>
@@ -3297,330 +3291,327 @@
           </p:nvSpPr>
           <p:spPr>
             <a:xfrm>
-              <a:off x="3012886" y="2201195"/>
-              <a:ext cx="2473513" cy="3554263"/>
+              <a:off x="3012812" y="2250031"/>
+              <a:ext cx="2473587" cy="3520679"/>
             </a:xfrm>
             <a:custGeom>
               <a:avLst/>
               <a:pathLst>
-                <a:path w="2473513" h="3554263">
+                <a:path w="2473587" h="3520679">
                   <a:moveTo>
-                    <a:pt x="2473513" y="2021987"/>
+                    <a:pt x="2473587" y="1973151"/>
                   </a:moveTo>
                   <a:lnTo>
-                    <a:pt x="2424378" y="1952263"/>
-                  </a:lnTo>
-                  <a:lnTo>
-                    <a:pt x="2375244" y="1882539"/>
-                  </a:lnTo>
-                  <a:lnTo>
-                    <a:pt x="2326109" y="1812816"/>
-                  </a:lnTo>
-                  <a:lnTo>
-                    <a:pt x="2276975" y="1743092"/>
-                  </a:lnTo>
-                  <a:lnTo>
-                    <a:pt x="2227841" y="1673368"/>
-                  </a:lnTo>
-                  <a:lnTo>
-                    <a:pt x="2178706" y="1603645"/>
-                  </a:lnTo>
-                  <a:lnTo>
-                    <a:pt x="2129572" y="1533921"/>
-                  </a:lnTo>
-                  <a:lnTo>
-                    <a:pt x="2080437" y="1464197"/>
-                  </a:lnTo>
-                  <a:lnTo>
-                    <a:pt x="2031303" y="1394473"/>
-                  </a:lnTo>
-                  <a:lnTo>
-                    <a:pt x="1982169" y="1324750"/>
-                  </a:lnTo>
-                  <a:lnTo>
-                    <a:pt x="1933034" y="1255026"/>
-                  </a:lnTo>
-                  <a:lnTo>
-                    <a:pt x="1883900" y="1185302"/>
-                  </a:lnTo>
-                  <a:lnTo>
-                    <a:pt x="1834765" y="1115579"/>
-                  </a:lnTo>
-                  <a:lnTo>
-                    <a:pt x="1785631" y="1045855"/>
-                  </a:lnTo>
-                  <a:lnTo>
-                    <a:pt x="1736497" y="976131"/>
-                  </a:lnTo>
-                  <a:lnTo>
-                    <a:pt x="1687362" y="906408"/>
-                  </a:lnTo>
-                  <a:lnTo>
-                    <a:pt x="1638228" y="836684"/>
-                  </a:lnTo>
-                  <a:lnTo>
-                    <a:pt x="1589093" y="766960"/>
-                  </a:lnTo>
-                  <a:lnTo>
-                    <a:pt x="1539959" y="697236"/>
-                  </a:lnTo>
-                  <a:lnTo>
-                    <a:pt x="1490825" y="627513"/>
-                  </a:lnTo>
-                  <a:lnTo>
-                    <a:pt x="1441690" y="557789"/>
-                  </a:lnTo>
-                  <a:lnTo>
-                    <a:pt x="1392556" y="488065"/>
-                  </a:lnTo>
-                  <a:lnTo>
-                    <a:pt x="1343421" y="418342"/>
-                  </a:lnTo>
-                  <a:lnTo>
-                    <a:pt x="1294287" y="348618"/>
-                  </a:lnTo>
-                  <a:lnTo>
-                    <a:pt x="1245153" y="278894"/>
-                  </a:lnTo>
-                  <a:lnTo>
-                    <a:pt x="1196018" y="209171"/>
-                  </a:lnTo>
-                  <a:lnTo>
-                    <a:pt x="1146884" y="139447"/>
-                  </a:lnTo>
-                  <a:lnTo>
-                    <a:pt x="1097749" y="69723"/>
-                  </a:lnTo>
-                  <a:lnTo>
-                    <a:pt x="1048615" y="0"/>
-                  </a:lnTo>
-                  <a:lnTo>
-                    <a:pt x="980993" y="49386"/>
-                  </a:lnTo>
-                  <a:lnTo>
-                    <a:pt x="915082" y="101034"/>
-                  </a:lnTo>
-                  <a:lnTo>
-                    <a:pt x="850957" y="154883"/>
-                  </a:lnTo>
-                  <a:lnTo>
-                    <a:pt x="788691" y="210871"/>
-                  </a:lnTo>
-                  <a:lnTo>
-                    <a:pt x="728355" y="268935"/>
-                  </a:lnTo>
-                  <a:lnTo>
-                    <a:pt x="670020" y="329007"/>
-                  </a:lnTo>
-                  <a:lnTo>
-                    <a:pt x="613751" y="391020"/>
-                  </a:lnTo>
-                  <a:lnTo>
-                    <a:pt x="559614" y="454901"/>
-                  </a:lnTo>
-                  <a:lnTo>
-                    <a:pt x="507669" y="520579"/>
-                  </a:lnTo>
-                  <a:lnTo>
-                    <a:pt x="457978" y="587977"/>
-                  </a:lnTo>
-                  <a:lnTo>
-                    <a:pt x="410596" y="657018"/>
-                  </a:lnTo>
-                  <a:lnTo>
-                    <a:pt x="365578" y="727624"/>
-                  </a:lnTo>
-                  <a:lnTo>
-                    <a:pt x="322975" y="799712"/>
-                  </a:lnTo>
-                  <a:lnTo>
-                    <a:pt x="282837" y="873202"/>
-                  </a:lnTo>
-                  <a:lnTo>
-                    <a:pt x="245210" y="948007"/>
-                  </a:lnTo>
-                  <a:lnTo>
-                    <a:pt x="210136" y="1024044"/>
-                  </a:lnTo>
-                  <a:lnTo>
-                    <a:pt x="177655" y="1101224"/>
-                  </a:lnTo>
-                  <a:lnTo>
-                    <a:pt x="147806" y="1179459"/>
-                  </a:lnTo>
-                  <a:lnTo>
-                    <a:pt x="120621" y="1258660"/>
-                  </a:lnTo>
-                  <a:lnTo>
-                    <a:pt x="96133" y="1338735"/>
-                  </a:lnTo>
-                  <a:lnTo>
-                    <a:pt x="74369" y="1419594"/>
-                  </a:lnTo>
-                  <a:lnTo>
-                    <a:pt x="55355" y="1501143"/>
-                  </a:lnTo>
-                  <a:lnTo>
-                    <a:pt x="39111" y="1583288"/>
-                  </a:lnTo>
-                  <a:lnTo>
-                    <a:pt x="25658" y="1665936"/>
-                  </a:lnTo>
-                  <a:lnTo>
-                    <a:pt x="15009" y="1748993"/>
-                  </a:lnTo>
-                  <a:lnTo>
-                    <a:pt x="7178" y="1832362"/>
-                  </a:lnTo>
-                  <a:lnTo>
-                    <a:pt x="2173" y="1915948"/>
-                  </a:lnTo>
-                  <a:lnTo>
-                    <a:pt x="0" y="1999656"/>
-                  </a:lnTo>
-                  <a:lnTo>
-                    <a:pt x="661" y="2083390"/>
-                  </a:lnTo>
-                  <a:lnTo>
-                    <a:pt x="4156" y="2167053"/>
-                  </a:lnTo>
-                  <a:lnTo>
-                    <a:pt x="10481" y="2250550"/>
-                  </a:lnTo>
-                  <a:lnTo>
-                    <a:pt x="19628" y="2333785"/>
-                  </a:lnTo>
-                  <a:lnTo>
-                    <a:pt x="31588" y="2416663"/>
-                  </a:lnTo>
-                  <a:lnTo>
-                    <a:pt x="46346" y="2499088"/>
-                  </a:lnTo>
-                  <a:lnTo>
-                    <a:pt x="63885" y="2580967"/>
-                  </a:lnTo>
-                  <a:lnTo>
-                    <a:pt x="84185" y="2662205"/>
-                  </a:lnTo>
-                  <a:lnTo>
-                    <a:pt x="107223" y="2742710"/>
-                  </a:lnTo>
-                  <a:lnTo>
-                    <a:pt x="132974" y="2822388"/>
-                  </a:lnTo>
-                  <a:lnTo>
-                    <a:pt x="161406" y="2901150"/>
-                  </a:lnTo>
-                  <a:lnTo>
-                    <a:pt x="192487" y="2978904"/>
-                  </a:lnTo>
-                  <a:lnTo>
-                    <a:pt x="226183" y="3055561"/>
-                  </a:lnTo>
-                  <a:lnTo>
-                    <a:pt x="262454" y="3131034"/>
-                  </a:lnTo>
-                  <a:lnTo>
-                    <a:pt x="301259" y="3205236"/>
-                  </a:lnTo>
-                  <a:lnTo>
-                    <a:pt x="342553" y="3278082"/>
-                  </a:lnTo>
-                  <a:lnTo>
-                    <a:pt x="386289" y="3349489"/>
-                  </a:lnTo>
-                  <a:lnTo>
-                    <a:pt x="432416" y="3419374"/>
-                  </a:lnTo>
-                  <a:lnTo>
-                    <a:pt x="480883" y="3487658"/>
-                  </a:lnTo>
-                  <a:lnTo>
-                    <a:pt x="531633" y="3554263"/>
-                  </a:lnTo>
-                  <a:lnTo>
-                    <a:pt x="598595" y="3501426"/>
-                  </a:lnTo>
-                  <a:lnTo>
-                    <a:pt x="665556" y="3448589"/>
-                  </a:lnTo>
-                  <a:lnTo>
-                    <a:pt x="732517" y="3395752"/>
-                  </a:lnTo>
-                  <a:lnTo>
-                    <a:pt x="799479" y="3342914"/>
-                  </a:lnTo>
-                  <a:lnTo>
-                    <a:pt x="866440" y="3290077"/>
-                  </a:lnTo>
-                  <a:lnTo>
-                    <a:pt x="933401" y="3237240"/>
-                  </a:lnTo>
-                  <a:lnTo>
-                    <a:pt x="1000363" y="3184403"/>
-                  </a:lnTo>
-                  <a:lnTo>
-                    <a:pt x="1067324" y="3131566"/>
-                  </a:lnTo>
-                  <a:lnTo>
-                    <a:pt x="1134285" y="3078729"/>
-                  </a:lnTo>
-                  <a:lnTo>
-                    <a:pt x="1201247" y="3025892"/>
-                  </a:lnTo>
-                  <a:lnTo>
-                    <a:pt x="1268208" y="2973055"/>
-                  </a:lnTo>
-                  <a:lnTo>
-                    <a:pt x="1335170" y="2920218"/>
-                  </a:lnTo>
-                  <a:lnTo>
-                    <a:pt x="1402131" y="2867380"/>
-                  </a:lnTo>
-                  <a:lnTo>
-                    <a:pt x="1469092" y="2814543"/>
-                  </a:lnTo>
-                  <a:lnTo>
-                    <a:pt x="1536054" y="2761706"/>
-                  </a:lnTo>
-                  <a:lnTo>
-                    <a:pt x="1603015" y="2708869"/>
-                  </a:lnTo>
-                  <a:lnTo>
-                    <a:pt x="1669976" y="2656032"/>
-                  </a:lnTo>
-                  <a:lnTo>
-                    <a:pt x="1736938" y="2603195"/>
-                  </a:lnTo>
-                  <a:lnTo>
-                    <a:pt x="1803899" y="2550358"/>
-                  </a:lnTo>
-                  <a:lnTo>
-                    <a:pt x="1870860" y="2497521"/>
-                  </a:lnTo>
-                  <a:lnTo>
-                    <a:pt x="1937822" y="2444684"/>
-                  </a:lnTo>
-                  <a:lnTo>
-                    <a:pt x="2004783" y="2391847"/>
-                  </a:lnTo>
-                  <a:lnTo>
-                    <a:pt x="2071744" y="2339009"/>
-                  </a:lnTo>
-                  <a:lnTo>
-                    <a:pt x="2138706" y="2286172"/>
-                  </a:lnTo>
-                  <a:lnTo>
-                    <a:pt x="2205667" y="2233335"/>
-                  </a:lnTo>
-                  <a:lnTo>
-                    <a:pt x="2272629" y="2180498"/>
-                  </a:lnTo>
-                  <a:lnTo>
-                    <a:pt x="2339590" y="2127661"/>
-                  </a:lnTo>
-                  <a:lnTo>
-                    <a:pt x="2406551" y="2074824"/>
+                    <a:pt x="2422146" y="1905111"/>
+                  </a:lnTo>
+                  <a:lnTo>
+                    <a:pt x="2370704" y="1837072"/>
+                  </a:lnTo>
+                  <a:lnTo>
+                    <a:pt x="2319263" y="1769032"/>
+                  </a:lnTo>
+                  <a:lnTo>
+                    <a:pt x="2267822" y="1700992"/>
+                  </a:lnTo>
+                  <a:lnTo>
+                    <a:pt x="2216381" y="1632952"/>
+                  </a:lnTo>
+                  <a:lnTo>
+                    <a:pt x="2164940" y="1564913"/>
+                  </a:lnTo>
+                  <a:lnTo>
+                    <a:pt x="2113499" y="1496873"/>
+                  </a:lnTo>
+                  <a:lnTo>
+                    <a:pt x="2062058" y="1428833"/>
+                  </a:lnTo>
+                  <a:lnTo>
+                    <a:pt x="2010617" y="1360794"/>
+                  </a:lnTo>
+                  <a:lnTo>
+                    <a:pt x="1959176" y="1292754"/>
+                  </a:lnTo>
+                  <a:lnTo>
+                    <a:pt x="1907735" y="1224714"/>
+                  </a:lnTo>
+                  <a:lnTo>
+                    <a:pt x="1856294" y="1156674"/>
+                  </a:lnTo>
+                  <a:lnTo>
+                    <a:pt x="1804853" y="1088635"/>
+                  </a:lnTo>
+                  <a:lnTo>
+                    <a:pt x="1753412" y="1020595"/>
+                  </a:lnTo>
+                  <a:lnTo>
+                    <a:pt x="1701971" y="952555"/>
+                  </a:lnTo>
+                  <a:lnTo>
+                    <a:pt x="1650530" y="884516"/>
+                  </a:lnTo>
+                  <a:lnTo>
+                    <a:pt x="1599089" y="816476"/>
+                  </a:lnTo>
+                  <a:lnTo>
+                    <a:pt x="1547648" y="748436"/>
+                  </a:lnTo>
+                  <a:lnTo>
+                    <a:pt x="1496207" y="680397"/>
+                  </a:lnTo>
+                  <a:lnTo>
+                    <a:pt x="1444765" y="612357"/>
+                  </a:lnTo>
+                  <a:lnTo>
+                    <a:pt x="1393324" y="544317"/>
+                  </a:lnTo>
+                  <a:lnTo>
+                    <a:pt x="1341883" y="476277"/>
+                  </a:lnTo>
+                  <a:lnTo>
+                    <a:pt x="1290442" y="408238"/>
+                  </a:lnTo>
+                  <a:lnTo>
+                    <a:pt x="1239001" y="340198"/>
+                  </a:lnTo>
+                  <a:lnTo>
+                    <a:pt x="1187560" y="272158"/>
+                  </a:lnTo>
+                  <a:lnTo>
+                    <a:pt x="1136119" y="204119"/>
+                  </a:lnTo>
+                  <a:lnTo>
+                    <a:pt x="1084678" y="136079"/>
+                  </a:lnTo>
+                  <a:lnTo>
+                    <a:pt x="1033237" y="68039"/>
+                  </a:lnTo>
+                  <a:lnTo>
+                    <a:pt x="981796" y="0"/>
+                  </a:lnTo>
+                  <a:lnTo>
+                    <a:pt x="915528" y="51896"/>
+                  </a:lnTo>
+                  <a:lnTo>
+                    <a:pt x="851065" y="106017"/>
+                  </a:lnTo>
+                  <a:lnTo>
+                    <a:pt x="788480" y="162300"/>
+                  </a:lnTo>
+                  <a:lnTo>
+                    <a:pt x="727846" y="220679"/>
+                  </a:lnTo>
+                  <a:lnTo>
+                    <a:pt x="669234" y="281088"/>
+                  </a:lnTo>
+                  <a:lnTo>
+                    <a:pt x="612711" y="343456"/>
+                  </a:lnTo>
+                  <a:lnTo>
+                    <a:pt x="558342" y="407710"/>
+                  </a:lnTo>
+                  <a:lnTo>
+                    <a:pt x="506191" y="473778"/>
+                  </a:lnTo>
+                  <a:lnTo>
+                    <a:pt x="456318" y="541581"/>
+                  </a:lnTo>
+                  <a:lnTo>
+                    <a:pt x="408780" y="611042"/>
+                  </a:lnTo>
+                  <a:lnTo>
+                    <a:pt x="363634" y="682080"/>
+                  </a:lnTo>
+                  <a:lnTo>
+                    <a:pt x="320930" y="754613"/>
+                  </a:lnTo>
+                  <a:lnTo>
+                    <a:pt x="280719" y="828557"/>
+                  </a:lnTo>
+                  <a:lnTo>
+                    <a:pt x="243047" y="903826"/>
+                  </a:lnTo>
+                  <a:lnTo>
+                    <a:pt x="207957" y="980333"/>
+                  </a:lnTo>
+                  <a:lnTo>
+                    <a:pt x="175491" y="1057989"/>
+                  </a:lnTo>
+                  <a:lnTo>
+                    <a:pt x="145685" y="1136706"/>
+                  </a:lnTo>
+                  <a:lnTo>
+                    <a:pt x="118575" y="1216390"/>
+                  </a:lnTo>
+                  <a:lnTo>
+                    <a:pt x="94192" y="1296951"/>
+                  </a:lnTo>
+                  <a:lnTo>
+                    <a:pt x="72563" y="1378295"/>
+                  </a:lnTo>
+                  <a:lnTo>
+                    <a:pt x="53715" y="1460328"/>
+                  </a:lnTo>
+                  <a:lnTo>
+                    <a:pt x="37669" y="1542955"/>
+                  </a:lnTo>
+                  <a:lnTo>
+                    <a:pt x="24442" y="1626079"/>
+                  </a:lnTo>
+                  <a:lnTo>
+                    <a:pt x="14052" y="1709605"/>
+                  </a:lnTo>
+                  <a:lnTo>
+                    <a:pt x="6510" y="1793437"/>
+                  </a:lnTo>
+                  <a:lnTo>
+                    <a:pt x="1824" y="1877477"/>
+                  </a:lnTo>
+                  <a:lnTo>
+                    <a:pt x="0" y="1961627"/>
+                  </a:lnTo>
+                  <a:lnTo>
+                    <a:pt x="1039" y="2045791"/>
+                  </a:lnTo>
+                  <a:lnTo>
+                    <a:pt x="4942" y="2129871"/>
+                  </a:lnTo>
+                  <a:lnTo>
+                    <a:pt x="11703" y="2213769"/>
+                  </a:lnTo>
+                  <a:lnTo>
+                    <a:pt x="21315" y="2297388"/>
+                  </a:lnTo>
+                  <a:lnTo>
+                    <a:pt x="33766" y="2380633"/>
+                  </a:lnTo>
+                  <a:lnTo>
+                    <a:pt x="49042" y="2463405"/>
+                  </a:lnTo>
+                  <a:lnTo>
+                    <a:pt x="67125" y="2545610"/>
+                  </a:lnTo>
+                  <a:lnTo>
+                    <a:pt x="87995" y="2627152"/>
+                  </a:lnTo>
+                  <a:lnTo>
+                    <a:pt x="111626" y="2707936"/>
+                  </a:lnTo>
+                  <a:lnTo>
+                    <a:pt x="137993" y="2787870"/>
+                  </a:lnTo>
+                  <a:lnTo>
+                    <a:pt x="167064" y="2866861"/>
+                  </a:lnTo>
+                  <a:lnTo>
+                    <a:pt x="198805" y="2944817"/>
+                  </a:lnTo>
+                  <a:lnTo>
+                    <a:pt x="233180" y="3021647"/>
+                  </a:lnTo>
+                  <a:lnTo>
+                    <a:pt x="270149" y="3097264"/>
+                  </a:lnTo>
+                  <a:lnTo>
+                    <a:pt x="309670" y="3171579"/>
+                  </a:lnTo>
+                  <a:lnTo>
+                    <a:pt x="351696" y="3244507"/>
+                  </a:lnTo>
+                  <a:lnTo>
+                    <a:pt x="396179" y="3315962"/>
+                  </a:lnTo>
+                  <a:lnTo>
+                    <a:pt x="443067" y="3385863"/>
+                  </a:lnTo>
+                  <a:lnTo>
+                    <a:pt x="492306" y="3454128"/>
+                  </a:lnTo>
+                  <a:lnTo>
+                    <a:pt x="543839" y="3520679"/>
+                  </a:lnTo>
+                  <a:lnTo>
+                    <a:pt x="610382" y="3467316"/>
+                  </a:lnTo>
+                  <a:lnTo>
+                    <a:pt x="676925" y="3413953"/>
+                  </a:lnTo>
+                  <a:lnTo>
+                    <a:pt x="743468" y="3360590"/>
+                  </a:lnTo>
+                  <a:lnTo>
+                    <a:pt x="810011" y="3307227"/>
+                  </a:lnTo>
+                  <a:lnTo>
+                    <a:pt x="876554" y="3253863"/>
+                  </a:lnTo>
+                  <a:lnTo>
+                    <a:pt x="943097" y="3200500"/>
+                  </a:lnTo>
+                  <a:lnTo>
+                    <a:pt x="1009640" y="3147137"/>
+                  </a:lnTo>
+                  <a:lnTo>
+                    <a:pt x="1076183" y="3093774"/>
+                  </a:lnTo>
+                  <a:lnTo>
+                    <a:pt x="1142727" y="3040411"/>
+                  </a:lnTo>
+                  <a:lnTo>
+                    <a:pt x="1209270" y="2987048"/>
+                  </a:lnTo>
+                  <a:lnTo>
+                    <a:pt x="1275813" y="2933685"/>
+                  </a:lnTo>
+                  <a:lnTo>
+                    <a:pt x="1342356" y="2880322"/>
+                  </a:lnTo>
+                  <a:lnTo>
+                    <a:pt x="1408899" y="2826959"/>
+                  </a:lnTo>
+                  <a:lnTo>
+                    <a:pt x="1475442" y="2773596"/>
+                  </a:lnTo>
+                  <a:lnTo>
+                    <a:pt x="1541985" y="2720233"/>
+                  </a:lnTo>
+                  <a:lnTo>
+                    <a:pt x="1608528" y="2666870"/>
+                  </a:lnTo>
+                  <a:lnTo>
+                    <a:pt x="1675071" y="2613507"/>
+                  </a:lnTo>
+                  <a:lnTo>
+                    <a:pt x="1741614" y="2560144"/>
+                  </a:lnTo>
+                  <a:lnTo>
+                    <a:pt x="1808157" y="2506781"/>
+                  </a:lnTo>
+                  <a:lnTo>
+                    <a:pt x="1874700" y="2453418"/>
+                  </a:lnTo>
+                  <a:lnTo>
+                    <a:pt x="1941243" y="2400055"/>
+                  </a:lnTo>
+                  <a:lnTo>
+                    <a:pt x="2007786" y="2346692"/>
+                  </a:lnTo>
+                  <a:lnTo>
+                    <a:pt x="2074329" y="2293329"/>
+                  </a:lnTo>
+                  <a:lnTo>
+                    <a:pt x="2140872" y="2239966"/>
+                  </a:lnTo>
+                  <a:lnTo>
+                    <a:pt x="2207415" y="2186603"/>
+                  </a:lnTo>
+                  <a:lnTo>
+                    <a:pt x="2273958" y="2133240"/>
+                  </a:lnTo>
+                  <a:lnTo>
+                    <a:pt x="2340501" y="2079877"/>
+                  </a:lnTo>
+                  <a:lnTo>
+                    <a:pt x="2407044" y="2026514"/>
                   </a:lnTo>
                   <a:close/>
                 </a:path>
@@ -3655,240 +3646,243 @@
           </p:nvSpPr>
           <p:spPr>
             <a:xfrm>
-              <a:off x="4061502" y="1749568"/>
-              <a:ext cx="1424897" cy="2473613"/>
+              <a:off x="3994609" y="1749568"/>
+              <a:ext cx="1491790" cy="2473613"/>
             </a:xfrm>
             <a:custGeom>
               <a:avLst/>
               <a:pathLst>
-                <a:path w="1424897" h="2473613">
+                <a:path w="1491790" h="2473613">
                   <a:moveTo>
-                    <a:pt x="1424897" y="2473613"/>
+                    <a:pt x="1491790" y="2473613"/>
                   </a:moveTo>
                   <a:lnTo>
-                    <a:pt x="1424897" y="2388316"/>
-                  </a:lnTo>
-                  <a:lnTo>
-                    <a:pt x="1424897" y="2303019"/>
-                  </a:lnTo>
-                  <a:lnTo>
-                    <a:pt x="1424897" y="2217722"/>
-                  </a:lnTo>
-                  <a:lnTo>
-                    <a:pt x="1424897" y="2132425"/>
-                  </a:lnTo>
-                  <a:lnTo>
-                    <a:pt x="1424897" y="2047128"/>
-                  </a:lnTo>
-                  <a:lnTo>
-                    <a:pt x="1424897" y="1961831"/>
-                  </a:lnTo>
-                  <a:lnTo>
-                    <a:pt x="1424897" y="1876534"/>
-                  </a:lnTo>
-                  <a:lnTo>
-                    <a:pt x="1424897" y="1791237"/>
-                  </a:lnTo>
-                  <a:lnTo>
-                    <a:pt x="1424897" y="1705940"/>
-                  </a:lnTo>
-                  <a:lnTo>
-                    <a:pt x="1424897" y="1620643"/>
-                  </a:lnTo>
-                  <a:lnTo>
-                    <a:pt x="1424897" y="1535346"/>
-                  </a:lnTo>
-                  <a:lnTo>
-                    <a:pt x="1424897" y="1450049"/>
-                  </a:lnTo>
-                  <a:lnTo>
-                    <a:pt x="1424897" y="1364752"/>
-                  </a:lnTo>
-                  <a:lnTo>
-                    <a:pt x="1424897" y="1279455"/>
-                  </a:lnTo>
-                  <a:lnTo>
-                    <a:pt x="1424897" y="1194158"/>
-                  </a:lnTo>
-                  <a:lnTo>
-                    <a:pt x="1424897" y="1108861"/>
-                  </a:lnTo>
-                  <a:lnTo>
-                    <a:pt x="1424897" y="1023564"/>
-                  </a:lnTo>
-                  <a:lnTo>
-                    <a:pt x="1424897" y="938267"/>
-                  </a:lnTo>
-                  <a:lnTo>
-                    <a:pt x="1424897" y="852970"/>
-                  </a:lnTo>
-                  <a:lnTo>
-                    <a:pt x="1424897" y="767673"/>
-                  </a:lnTo>
-                  <a:lnTo>
-                    <a:pt x="1424897" y="682376"/>
-                  </a:lnTo>
-                  <a:lnTo>
-                    <a:pt x="1424897" y="597079"/>
-                  </a:lnTo>
-                  <a:lnTo>
-                    <a:pt x="1424897" y="511782"/>
-                  </a:lnTo>
-                  <a:lnTo>
-                    <a:pt x="1424897" y="426485"/>
-                  </a:lnTo>
-                  <a:lnTo>
-                    <a:pt x="1424897" y="341188"/>
-                  </a:lnTo>
-                  <a:lnTo>
-                    <a:pt x="1424897" y="255891"/>
-                  </a:lnTo>
-                  <a:lnTo>
-                    <a:pt x="1424897" y="170594"/>
-                  </a:lnTo>
-                  <a:lnTo>
-                    <a:pt x="1424897" y="85297"/>
-                  </a:lnTo>
-                  <a:lnTo>
-                    <a:pt x="1424897" y="0"/>
-                  </a:lnTo>
-                  <a:lnTo>
-                    <a:pt x="1340553" y="1438"/>
-                  </a:lnTo>
-                  <a:lnTo>
-                    <a:pt x="1256307" y="5751"/>
-                  </a:lnTo>
-                  <a:lnTo>
-                    <a:pt x="1172257" y="12935"/>
-                  </a:lnTo>
-                  <a:lnTo>
-                    <a:pt x="1088501" y="22980"/>
-                  </a:lnTo>
-                  <a:lnTo>
-                    <a:pt x="1005136" y="35875"/>
-                  </a:lnTo>
-                  <a:lnTo>
-                    <a:pt x="922259" y="51606"/>
-                  </a:lnTo>
-                  <a:lnTo>
-                    <a:pt x="839967" y="70153"/>
-                  </a:lnTo>
-                  <a:lnTo>
-                    <a:pt x="758355" y="91495"/>
-                  </a:lnTo>
-                  <a:lnTo>
-                    <a:pt x="677518" y="115608"/>
-                  </a:lnTo>
-                  <a:lnTo>
-                    <a:pt x="597551" y="142463"/>
-                  </a:lnTo>
-                  <a:lnTo>
-                    <a:pt x="518545" y="172029"/>
-                  </a:lnTo>
-                  <a:lnTo>
-                    <a:pt x="440594" y="204271"/>
-                  </a:lnTo>
-                  <a:lnTo>
-                    <a:pt x="363788" y="239153"/>
-                  </a:lnTo>
-                  <a:lnTo>
-                    <a:pt x="288215" y="276634"/>
-                  </a:lnTo>
-                  <a:lnTo>
-                    <a:pt x="213964" y="316669"/>
-                  </a:lnTo>
-                  <a:lnTo>
-                    <a:pt x="141122" y="359213"/>
-                  </a:lnTo>
-                  <a:lnTo>
-                    <a:pt x="69773" y="404216"/>
-                  </a:lnTo>
-                  <a:lnTo>
-                    <a:pt x="0" y="451626"/>
-                  </a:lnTo>
-                  <a:lnTo>
-                    <a:pt x="49134" y="521350"/>
-                  </a:lnTo>
-                  <a:lnTo>
-                    <a:pt x="98268" y="591074"/>
-                  </a:lnTo>
-                  <a:lnTo>
-                    <a:pt x="147403" y="660797"/>
-                  </a:lnTo>
-                  <a:lnTo>
-                    <a:pt x="196537" y="730521"/>
-                  </a:lnTo>
-                  <a:lnTo>
-                    <a:pt x="245672" y="800245"/>
-                  </a:lnTo>
-                  <a:lnTo>
-                    <a:pt x="294806" y="869968"/>
-                  </a:lnTo>
-                  <a:lnTo>
-                    <a:pt x="343940" y="939692"/>
-                  </a:lnTo>
-                  <a:lnTo>
-                    <a:pt x="393075" y="1009416"/>
-                  </a:lnTo>
-                  <a:lnTo>
-                    <a:pt x="442209" y="1079139"/>
-                  </a:lnTo>
-                  <a:lnTo>
-                    <a:pt x="491344" y="1148863"/>
-                  </a:lnTo>
-                  <a:lnTo>
-                    <a:pt x="540478" y="1218587"/>
-                  </a:lnTo>
-                  <a:lnTo>
-                    <a:pt x="589612" y="1288311"/>
-                  </a:lnTo>
-                  <a:lnTo>
-                    <a:pt x="638747" y="1358034"/>
-                  </a:lnTo>
-                  <a:lnTo>
-                    <a:pt x="687881" y="1427758"/>
-                  </a:lnTo>
-                  <a:lnTo>
-                    <a:pt x="737016" y="1497482"/>
-                  </a:lnTo>
-                  <a:lnTo>
-                    <a:pt x="786150" y="1567205"/>
-                  </a:lnTo>
-                  <a:lnTo>
-                    <a:pt x="835284" y="1636929"/>
-                  </a:lnTo>
-                  <a:lnTo>
-                    <a:pt x="884419" y="1706653"/>
-                  </a:lnTo>
-                  <a:lnTo>
-                    <a:pt x="933553" y="1776376"/>
-                  </a:lnTo>
-                  <a:lnTo>
-                    <a:pt x="982688" y="1846100"/>
-                  </a:lnTo>
-                  <a:lnTo>
-                    <a:pt x="1031822" y="1915824"/>
-                  </a:lnTo>
-                  <a:lnTo>
-                    <a:pt x="1080956" y="1985548"/>
-                  </a:lnTo>
-                  <a:lnTo>
-                    <a:pt x="1130091" y="2055271"/>
-                  </a:lnTo>
-                  <a:lnTo>
-                    <a:pt x="1179225" y="2124995"/>
-                  </a:lnTo>
-                  <a:lnTo>
-                    <a:pt x="1228360" y="2194719"/>
-                  </a:lnTo>
-                  <a:lnTo>
-                    <a:pt x="1277494" y="2264442"/>
-                  </a:lnTo>
-                  <a:lnTo>
-                    <a:pt x="1326628" y="2334166"/>
-                  </a:lnTo>
-                  <a:lnTo>
-                    <a:pt x="1375763" y="2403890"/>
+                    <a:pt x="1491790" y="2388316"/>
+                  </a:lnTo>
+                  <a:lnTo>
+                    <a:pt x="1491790" y="2303019"/>
+                  </a:lnTo>
+                  <a:lnTo>
+                    <a:pt x="1491790" y="2217722"/>
+                  </a:lnTo>
+                  <a:lnTo>
+                    <a:pt x="1491790" y="2132425"/>
+                  </a:lnTo>
+                  <a:lnTo>
+                    <a:pt x="1491790" y="2047128"/>
+                  </a:lnTo>
+                  <a:lnTo>
+                    <a:pt x="1491790" y="1961831"/>
+                  </a:lnTo>
+                  <a:lnTo>
+                    <a:pt x="1491790" y="1876534"/>
+                  </a:lnTo>
+                  <a:lnTo>
+                    <a:pt x="1491790" y="1791237"/>
+                  </a:lnTo>
+                  <a:lnTo>
+                    <a:pt x="1491790" y="1705940"/>
+                  </a:lnTo>
+                  <a:lnTo>
+                    <a:pt x="1491790" y="1620643"/>
+                  </a:lnTo>
+                  <a:lnTo>
+                    <a:pt x="1491790" y="1535346"/>
+                  </a:lnTo>
+                  <a:lnTo>
+                    <a:pt x="1491790" y="1450049"/>
+                  </a:lnTo>
+                  <a:lnTo>
+                    <a:pt x="1491790" y="1364752"/>
+                  </a:lnTo>
+                  <a:lnTo>
+                    <a:pt x="1491790" y="1279455"/>
+                  </a:lnTo>
+                  <a:lnTo>
+                    <a:pt x="1491790" y="1194158"/>
+                  </a:lnTo>
+                  <a:lnTo>
+                    <a:pt x="1491790" y="1108861"/>
+                  </a:lnTo>
+                  <a:lnTo>
+                    <a:pt x="1491790" y="1023564"/>
+                  </a:lnTo>
+                  <a:lnTo>
+                    <a:pt x="1491790" y="938267"/>
+                  </a:lnTo>
+                  <a:lnTo>
+                    <a:pt x="1491790" y="852970"/>
+                  </a:lnTo>
+                  <a:lnTo>
+                    <a:pt x="1491790" y="767673"/>
+                  </a:lnTo>
+                  <a:lnTo>
+                    <a:pt x="1491790" y="682376"/>
+                  </a:lnTo>
+                  <a:lnTo>
+                    <a:pt x="1491790" y="597079"/>
+                  </a:lnTo>
+                  <a:lnTo>
+                    <a:pt x="1491790" y="511782"/>
+                  </a:lnTo>
+                  <a:lnTo>
+                    <a:pt x="1491790" y="426485"/>
+                  </a:lnTo>
+                  <a:lnTo>
+                    <a:pt x="1491790" y="341188"/>
+                  </a:lnTo>
+                  <a:lnTo>
+                    <a:pt x="1491790" y="255891"/>
+                  </a:lnTo>
+                  <a:lnTo>
+                    <a:pt x="1491790" y="170594"/>
+                  </a:lnTo>
+                  <a:lnTo>
+                    <a:pt x="1491790" y="85297"/>
+                  </a:lnTo>
+                  <a:lnTo>
+                    <a:pt x="1491790" y="0"/>
+                  </a:lnTo>
+                  <a:lnTo>
+                    <a:pt x="1407527" y="1435"/>
+                  </a:lnTo>
+                  <a:lnTo>
+                    <a:pt x="1323361" y="5740"/>
+                  </a:lnTo>
+                  <a:lnTo>
+                    <a:pt x="1239391" y="12910"/>
+                  </a:lnTo>
+                  <a:lnTo>
+                    <a:pt x="1155714" y="22936"/>
+                  </a:lnTo>
+                  <a:lnTo>
+                    <a:pt x="1072427" y="35807"/>
+                  </a:lnTo>
+                  <a:lnTo>
+                    <a:pt x="989627" y="51507"/>
+                  </a:lnTo>
+                  <a:lnTo>
+                    <a:pt x="907409" y="70019"/>
+                  </a:lnTo>
+                  <a:lnTo>
+                    <a:pt x="825870" y="91321"/>
+                  </a:lnTo>
+                  <a:lnTo>
+                    <a:pt x="745104" y="115388"/>
+                  </a:lnTo>
+                  <a:lnTo>
+                    <a:pt x="665205" y="142193"/>
+                  </a:lnTo>
+                  <a:lnTo>
+                    <a:pt x="586265" y="171703"/>
+                  </a:lnTo>
+                  <a:lnTo>
+                    <a:pt x="508376" y="203886"/>
+                  </a:lnTo>
+                  <a:lnTo>
+                    <a:pt x="431629" y="238703"/>
+                  </a:lnTo>
+                  <a:lnTo>
+                    <a:pt x="356112" y="276115"/>
+                  </a:lnTo>
+                  <a:lnTo>
+                    <a:pt x="281913" y="316077"/>
+                  </a:lnTo>
+                  <a:lnTo>
+                    <a:pt x="209119" y="358543"/>
+                  </a:lnTo>
+                  <a:lnTo>
+                    <a:pt x="137814" y="403465"/>
+                  </a:lnTo>
+                  <a:lnTo>
+                    <a:pt x="68081" y="450789"/>
+                  </a:lnTo>
+                  <a:lnTo>
+                    <a:pt x="0" y="500462"/>
+                  </a:lnTo>
+                  <a:lnTo>
+                    <a:pt x="51441" y="568502"/>
+                  </a:lnTo>
+                  <a:lnTo>
+                    <a:pt x="102882" y="636541"/>
+                  </a:lnTo>
+                  <a:lnTo>
+                    <a:pt x="154323" y="704581"/>
+                  </a:lnTo>
+                  <a:lnTo>
+                    <a:pt x="205764" y="772621"/>
+                  </a:lnTo>
+                  <a:lnTo>
+                    <a:pt x="257205" y="840661"/>
+                  </a:lnTo>
+                  <a:lnTo>
+                    <a:pt x="308646" y="908700"/>
+                  </a:lnTo>
+                  <a:lnTo>
+                    <a:pt x="360087" y="976740"/>
+                  </a:lnTo>
+                  <a:lnTo>
+                    <a:pt x="411528" y="1044780"/>
+                  </a:lnTo>
+                  <a:lnTo>
+                    <a:pt x="462969" y="1112819"/>
+                  </a:lnTo>
+                  <a:lnTo>
+                    <a:pt x="514410" y="1180859"/>
+                  </a:lnTo>
+                  <a:lnTo>
+                    <a:pt x="565851" y="1248899"/>
+                  </a:lnTo>
+                  <a:lnTo>
+                    <a:pt x="617292" y="1316938"/>
+                  </a:lnTo>
+                  <a:lnTo>
+                    <a:pt x="668733" y="1384978"/>
+                  </a:lnTo>
+                  <a:lnTo>
+                    <a:pt x="720174" y="1453018"/>
+                  </a:lnTo>
+                  <a:lnTo>
+                    <a:pt x="771615" y="1521058"/>
+                  </a:lnTo>
+                  <a:lnTo>
+                    <a:pt x="823056" y="1589097"/>
+                  </a:lnTo>
+                  <a:lnTo>
+                    <a:pt x="874497" y="1657137"/>
+                  </a:lnTo>
+                  <a:lnTo>
+                    <a:pt x="925939" y="1725177"/>
+                  </a:lnTo>
+                  <a:lnTo>
+                    <a:pt x="977380" y="1793216"/>
+                  </a:lnTo>
+                  <a:lnTo>
+                    <a:pt x="1028821" y="1861256"/>
+                  </a:lnTo>
+                  <a:lnTo>
+                    <a:pt x="1080262" y="1929296"/>
+                  </a:lnTo>
+                  <a:lnTo>
+                    <a:pt x="1131703" y="1997335"/>
+                  </a:lnTo>
+                  <a:lnTo>
+                    <a:pt x="1183144" y="2065375"/>
+                  </a:lnTo>
+                  <a:lnTo>
+                    <a:pt x="1234585" y="2133415"/>
+                  </a:lnTo>
+                  <a:lnTo>
+                    <a:pt x="1286026" y="2201455"/>
+                  </a:lnTo>
+                  <a:lnTo>
+                    <a:pt x="1337467" y="2269494"/>
+                  </a:lnTo>
+                  <a:lnTo>
+                    <a:pt x="1388908" y="2337534"/>
+                  </a:lnTo>
+                  <a:lnTo>
+                    <a:pt x="1440349" y="2405574"/>
                   </a:lnTo>
                   <a:close/>
                 </a:path>
@@ -3923,7 +3917,7 @@
           </p:nvSpPr>
           <p:spPr>
             <a:xfrm>
-              <a:off x="6290355" y="3739622"/>
+              <a:off x="6291134" y="3710166"/>
               <a:ext cx="1446105" cy="200930"/>
             </a:xfrm>
             <a:prstGeom prst="rect">
@@ -3969,7 +3963,7 @@
           </p:nvSpPr>
           <p:spPr>
             <a:xfrm>
-              <a:off x="6591486" y="4092269"/>
+              <a:off x="6592265" y="4062812"/>
               <a:ext cx="843843" cy="160490"/>
             </a:xfrm>
             <a:prstGeom prst="rect">
@@ -4002,7 +3996,7 @@
                   <a:latin typeface="Arial"/>
                   <a:cs typeface="Arial"/>
                 </a:rPr>
-                <a:t> 91 / 120</a:t>
+                <a:t> 85 / 110</a:t>
               </a:r>
             </a:p>
           </p:txBody>
@@ -4015,7 +4009,7 @@
           </p:nvSpPr>
           <p:spPr>
             <a:xfrm>
-              <a:off x="5042689" y="5477604"/>
+              <a:off x="5093946" y="5488983"/>
               <a:ext cx="855489" cy="157737"/>
             </a:xfrm>
             <a:prstGeom prst="rect">
@@ -4061,7 +4055,7 @@
           </p:nvSpPr>
           <p:spPr>
             <a:xfrm>
-              <a:off x="5229380" y="5787058"/>
+              <a:off x="5280638" y="5798437"/>
               <a:ext cx="482105" cy="160490"/>
             </a:xfrm>
             <a:prstGeom prst="rect">
@@ -4094,7 +4088,7 @@
                   <a:latin typeface="Arial"/>
                   <a:cs typeface="Arial"/>
                 </a:rPr>
-                <a:t> 6 / 9</a:t>
+                <a:t> 6 / 6</a:t>
               </a:r>
             </a:p>
           </p:txBody>
@@ -4107,7 +4101,7 @@
           </p:nvSpPr>
           <p:spPr>
             <a:xfrm>
-              <a:off x="3799559" y="4691656"/>
+              <a:off x="3823017" y="4708446"/>
               <a:ext cx="1325738" cy="157737"/>
             </a:xfrm>
             <a:prstGeom prst="rect">
@@ -4153,7 +4147,7 @@
           </p:nvSpPr>
           <p:spPr>
             <a:xfrm>
-              <a:off x="4100796" y="5001109"/>
+              <a:off x="4124253" y="5017900"/>
               <a:ext cx="723264" cy="160490"/>
             </a:xfrm>
             <a:prstGeom prst="rect">
@@ -4186,7 +4180,7 @@
                   <a:latin typeface="Arial"/>
                   <a:cs typeface="Arial"/>
                 </a:rPr>
-                <a:t> 15 / 22</a:t>
+                <a:t> 15 / 15</a:t>
               </a:r>
             </a:p>
           </p:txBody>
@@ -4199,7 +4193,7 @@
           </p:nvSpPr>
           <p:spPr>
             <a:xfrm>
-              <a:off x="4071920" y="3577292"/>
+              <a:off x="4129447" y="3542034"/>
               <a:ext cx="843526" cy="157737"/>
             </a:xfrm>
             <a:prstGeom prst="rect">
@@ -4245,7 +4239,7 @@
           </p:nvSpPr>
           <p:spPr>
             <a:xfrm>
-              <a:off x="4132051" y="3886746"/>
+              <a:off x="4189578" y="3851488"/>
               <a:ext cx="723264" cy="160490"/>
             </a:xfrm>
             <a:prstGeom prst="rect">
@@ -4278,7 +4272,7 @@
                   <a:latin typeface="Arial"/>
                   <a:cs typeface="Arial"/>
                 </a:rPr>
-                <a:t> 45 / 49</a:t>
+                <a:t> 42 / 42</a:t>
               </a:r>
             </a:p>
           </p:txBody>
@@ -4291,7 +4285,7 @@
           </p:nvSpPr>
           <p:spPr>
             <a:xfrm>
-              <a:off x="4405222" y="3039354"/>
+              <a:off x="4909411" y="2521948"/>
               <a:ext cx="952143" cy="157737"/>
             </a:xfrm>
             <a:prstGeom prst="rect">
@@ -4337,8 +4331,8 @@
           </p:nvSpPr>
           <p:spPr>
             <a:xfrm>
-              <a:off x="4459372" y="3348807"/>
-              <a:ext cx="843843" cy="160490"/>
+              <a:off x="4963561" y="2831296"/>
+              <a:ext cx="843843" cy="160596"/>
             </a:xfrm>
             <a:prstGeom prst="rect">
               <a:avLst/>
@@ -4370,7 +4364,7 @@
                   <a:latin typeface="Arial"/>
                   <a:cs typeface="Arial"/>
                 </a:rPr>
-                <a:t> 17 / 142</a:t>
+                <a:t> 17 / 135</a:t>
               </a:r>
             </a:p>
           </p:txBody>

--- a/Images/Figures_PPT/RictorPie.pptx
+++ b/Images/Figures_PPT/RictorPie.pptx
@@ -3917,7 +3917,7 @@
           </p:nvSpPr>
           <p:spPr>
             <a:xfrm>
-              <a:off x="6291134" y="3710166"/>
+              <a:off x="5706109" y="4295281"/>
               <a:ext cx="1446105" cy="200930"/>
             </a:xfrm>
             <a:prstGeom prst="rect">
@@ -3963,7 +3963,7 @@
           </p:nvSpPr>
           <p:spPr>
             <a:xfrm>
-              <a:off x="6592265" y="4062812"/>
+              <a:off x="6007240" y="4647927"/>
               <a:ext cx="843843" cy="160490"/>
             </a:xfrm>
             <a:prstGeom prst="rect">
@@ -4009,7 +4009,7 @@
           </p:nvSpPr>
           <p:spPr>
             <a:xfrm>
-              <a:off x="5093946" y="5488983"/>
+              <a:off x="5093737" y="5489099"/>
               <a:ext cx="855489" cy="157737"/>
             </a:xfrm>
             <a:prstGeom prst="rect">
@@ -4055,7 +4055,7 @@
           </p:nvSpPr>
           <p:spPr>
             <a:xfrm>
-              <a:off x="5280638" y="5798437"/>
+              <a:off x="5280429" y="5798553"/>
               <a:ext cx="482105" cy="160490"/>
             </a:xfrm>
             <a:prstGeom prst="rect">
@@ -4101,7 +4101,7 @@
           </p:nvSpPr>
           <p:spPr>
             <a:xfrm>
-              <a:off x="3823017" y="4708446"/>
+              <a:off x="3823019" y="4708444"/>
               <a:ext cx="1325738" cy="157737"/>
             </a:xfrm>
             <a:prstGeom prst="rect">
@@ -4147,7 +4147,7 @@
           </p:nvSpPr>
           <p:spPr>
             <a:xfrm>
-              <a:off x="4124253" y="5017900"/>
+              <a:off x="4124256" y="5017898"/>
               <a:ext cx="723264" cy="160490"/>
             </a:xfrm>
             <a:prstGeom prst="rect">
@@ -4193,7 +4193,7 @@
           </p:nvSpPr>
           <p:spPr>
             <a:xfrm>
-              <a:off x="4129447" y="3542034"/>
+              <a:off x="4129356" y="3542016"/>
               <a:ext cx="843526" cy="157737"/>
             </a:xfrm>
             <a:prstGeom prst="rect">
@@ -4239,7 +4239,7 @@
           </p:nvSpPr>
           <p:spPr>
             <a:xfrm>
-              <a:off x="4189578" y="3851488"/>
+              <a:off x="4189487" y="3851470"/>
               <a:ext cx="723264" cy="160490"/>
             </a:xfrm>
             <a:prstGeom prst="rect">
@@ -4285,7 +4285,7 @@
           </p:nvSpPr>
           <p:spPr>
             <a:xfrm>
-              <a:off x="4909411" y="2521948"/>
+              <a:off x="4909288" y="2522057"/>
               <a:ext cx="952143" cy="157737"/>
             </a:xfrm>
             <a:prstGeom prst="rect">
@@ -4331,7 +4331,7 @@
           </p:nvSpPr>
           <p:spPr>
             <a:xfrm>
-              <a:off x="4963561" y="2831296"/>
+              <a:off x="4963437" y="2831405"/>
               <a:ext cx="843843" cy="160596"/>
             </a:xfrm>
             <a:prstGeom prst="rect">

--- a/Images/Figures_PPT/RictorPie.pptx
+++ b/Images/Figures_PPT/RictorPie.pptx
@@ -3917,7 +3917,7 @@
           </p:nvSpPr>
           <p:spPr>
             <a:xfrm>
-              <a:off x="5706109" y="4295281"/>
+              <a:off x="5704849" y="4296288"/>
               <a:ext cx="1446105" cy="200930"/>
             </a:xfrm>
             <a:prstGeom prst="rect">
@@ -3963,7 +3963,7 @@
           </p:nvSpPr>
           <p:spPr>
             <a:xfrm>
-              <a:off x="6007240" y="4647927"/>
+              <a:off x="6005980" y="4648934"/>
               <a:ext cx="843843" cy="160490"/>
             </a:xfrm>
             <a:prstGeom prst="rect">
@@ -4009,7 +4009,7 @@
           </p:nvSpPr>
           <p:spPr>
             <a:xfrm>
-              <a:off x="5093737" y="5489099"/>
+              <a:off x="5094373" y="5489456"/>
               <a:ext cx="855489" cy="157737"/>
             </a:xfrm>
             <a:prstGeom prst="rect">
@@ -4055,7 +4055,7 @@
           </p:nvSpPr>
           <p:spPr>
             <a:xfrm>
-              <a:off x="5280429" y="5798553"/>
+              <a:off x="5281065" y="5798910"/>
               <a:ext cx="482105" cy="160490"/>
             </a:xfrm>
             <a:prstGeom prst="rect">
@@ -4101,7 +4101,7 @@
           </p:nvSpPr>
           <p:spPr>
             <a:xfrm>
-              <a:off x="3823019" y="4708444"/>
+              <a:off x="3823008" y="4708295"/>
               <a:ext cx="1325738" cy="157737"/>
             </a:xfrm>
             <a:prstGeom prst="rect">
@@ -4147,7 +4147,7 @@
           </p:nvSpPr>
           <p:spPr>
             <a:xfrm>
-              <a:off x="4124256" y="5017898"/>
+              <a:off x="4124245" y="5017749"/>
               <a:ext cx="723264" cy="160490"/>
             </a:xfrm>
             <a:prstGeom prst="rect">
@@ -4193,7 +4193,7 @@
           </p:nvSpPr>
           <p:spPr>
             <a:xfrm>
-              <a:off x="4129356" y="3542016"/>
+              <a:off x="4071023" y="3600442"/>
               <a:ext cx="843526" cy="157737"/>
             </a:xfrm>
             <a:prstGeom prst="rect">
@@ -4239,7 +4239,7 @@
           </p:nvSpPr>
           <p:spPr>
             <a:xfrm>
-              <a:off x="4189487" y="3851470"/>
+              <a:off x="4131154" y="3909896"/>
               <a:ext cx="723264" cy="160490"/>
             </a:xfrm>
             <a:prstGeom prst="rect">
@@ -4285,7 +4285,7 @@
           </p:nvSpPr>
           <p:spPr>
             <a:xfrm>
-              <a:off x="4909288" y="2522057"/>
+              <a:off x="4383364" y="3048324"/>
               <a:ext cx="952143" cy="157737"/>
             </a:xfrm>
             <a:prstGeom prst="rect">
@@ -4331,7 +4331,7 @@
           </p:nvSpPr>
           <p:spPr>
             <a:xfrm>
-              <a:off x="4963437" y="2831405"/>
+              <a:off x="4437513" y="3357672"/>
               <a:ext cx="843843" cy="160596"/>
             </a:xfrm>
             <a:prstGeom prst="rect">

--- a/Images/Figures_PPT/RictorPie.pptx
+++ b/Images/Figures_PPT/RictorPie.pptx
@@ -3917,7 +3917,7 @@
           </p:nvSpPr>
           <p:spPr>
             <a:xfrm>
-              <a:off x="5704849" y="4296288"/>
+              <a:off x="6290859" y="3710194"/>
               <a:ext cx="1446105" cy="200930"/>
             </a:xfrm>
             <a:prstGeom prst="rect">
@@ -3963,7 +3963,7 @@
           </p:nvSpPr>
           <p:spPr>
             <a:xfrm>
-              <a:off x="6005980" y="4648934"/>
+              <a:off x="6591990" y="4062841"/>
               <a:ext cx="843843" cy="160490"/>
             </a:xfrm>
             <a:prstGeom prst="rect">
@@ -4009,7 +4009,7 @@
           </p:nvSpPr>
           <p:spPr>
             <a:xfrm>
-              <a:off x="5094373" y="5489456"/>
+              <a:off x="5093640" y="5488928"/>
               <a:ext cx="855489" cy="157737"/>
             </a:xfrm>
             <a:prstGeom prst="rect">
@@ -4055,7 +4055,7 @@
           </p:nvSpPr>
           <p:spPr>
             <a:xfrm>
-              <a:off x="5281065" y="5798910"/>
+              <a:off x="5280331" y="5798382"/>
               <a:ext cx="482105" cy="160490"/>
             </a:xfrm>
             <a:prstGeom prst="rect">
@@ -4101,7 +4101,7 @@
           </p:nvSpPr>
           <p:spPr>
             <a:xfrm>
-              <a:off x="3823008" y="4708295"/>
+              <a:off x="3823067" y="4708492"/>
               <a:ext cx="1325738" cy="157737"/>
             </a:xfrm>
             <a:prstGeom prst="rect">
@@ -4147,7 +4147,7 @@
           </p:nvSpPr>
           <p:spPr>
             <a:xfrm>
-              <a:off x="4124245" y="5017749"/>
+              <a:off x="4124303" y="5017946"/>
               <a:ext cx="723264" cy="160490"/>
             </a:xfrm>
             <a:prstGeom prst="rect">
@@ -4193,7 +4193,7 @@
           </p:nvSpPr>
           <p:spPr>
             <a:xfrm>
-              <a:off x="4071023" y="3600442"/>
+              <a:off x="3545136" y="4126561"/>
               <a:ext cx="843526" cy="157737"/>
             </a:xfrm>
             <a:prstGeom prst="rect">
@@ -4239,7 +4239,7 @@
           </p:nvSpPr>
           <p:spPr>
             <a:xfrm>
-              <a:off x="4131154" y="3909896"/>
+              <a:off x="3605267" y="4436015"/>
               <a:ext cx="723264" cy="160490"/>
             </a:xfrm>
             <a:prstGeom prst="rect">
@@ -4285,7 +4285,7 @@
           </p:nvSpPr>
           <p:spPr>
             <a:xfrm>
-              <a:off x="4383364" y="3048324"/>
+              <a:off x="4909156" y="2522144"/>
               <a:ext cx="952143" cy="157737"/>
             </a:xfrm>
             <a:prstGeom prst="rect">
@@ -4331,7 +4331,7 @@
           </p:nvSpPr>
           <p:spPr>
             <a:xfrm>
-              <a:off x="4437513" y="3357672"/>
+              <a:off x="4963305" y="2831492"/>
               <a:ext cx="843843" cy="160596"/>
             </a:xfrm>
             <a:prstGeom prst="rect">

--- a/Images/Figures_PPT/RictorPie.pptx
+++ b/Images/Figures_PPT/RictorPie.pptx
@@ -3917,7 +3917,7 @@
           </p:nvSpPr>
           <p:spPr>
             <a:xfrm>
-              <a:off x="6290859" y="3710194"/>
+              <a:off x="6291697" y="3709492"/>
               <a:ext cx="1446105" cy="200930"/>
             </a:xfrm>
             <a:prstGeom prst="rect">
@@ -3963,7 +3963,7 @@
           </p:nvSpPr>
           <p:spPr>
             <a:xfrm>
-              <a:off x="6591990" y="4062841"/>
+              <a:off x="6592828" y="4062139"/>
               <a:ext cx="843843" cy="160490"/>
             </a:xfrm>
             <a:prstGeom prst="rect">
@@ -4009,7 +4009,7 @@
           </p:nvSpPr>
           <p:spPr>
             <a:xfrm>
-              <a:off x="5093640" y="5488928"/>
+              <a:off x="5094137" y="5489458"/>
               <a:ext cx="855489" cy="157737"/>
             </a:xfrm>
             <a:prstGeom prst="rect">
@@ -4055,7 +4055,7 @@
           </p:nvSpPr>
           <p:spPr>
             <a:xfrm>
-              <a:off x="5280331" y="5798382"/>
+              <a:off x="5280828" y="5798912"/>
               <a:ext cx="482105" cy="160490"/>
             </a:xfrm>
             <a:prstGeom prst="rect">
@@ -4101,7 +4101,7 @@
           </p:nvSpPr>
           <p:spPr>
             <a:xfrm>
-              <a:off x="3823067" y="4708492"/>
+              <a:off x="3822863" y="4708525"/>
               <a:ext cx="1325738" cy="157737"/>
             </a:xfrm>
             <a:prstGeom prst="rect">
@@ -4147,7 +4147,7 @@
           </p:nvSpPr>
           <p:spPr>
             <a:xfrm>
-              <a:off x="4124303" y="5017946"/>
+              <a:off x="4124100" y="5017979"/>
               <a:ext cx="723264" cy="160490"/>
             </a:xfrm>
             <a:prstGeom prst="rect">
@@ -4193,7 +4193,7 @@
           </p:nvSpPr>
           <p:spPr>
             <a:xfrm>
-              <a:off x="3545136" y="4126561"/>
+              <a:off x="3543537" y="4128100"/>
               <a:ext cx="843526" cy="157737"/>
             </a:xfrm>
             <a:prstGeom prst="rect">
@@ -4239,7 +4239,7 @@
           </p:nvSpPr>
           <p:spPr>
             <a:xfrm>
-              <a:off x="3605267" y="4436015"/>
+              <a:off x="3603668" y="4437554"/>
               <a:ext cx="723264" cy="160490"/>
             </a:xfrm>
             <a:prstGeom prst="rect">
@@ -4285,7 +4285,7 @@
           </p:nvSpPr>
           <p:spPr>
             <a:xfrm>
-              <a:off x="4909156" y="2522144"/>
+              <a:off x="4323598" y="3107783"/>
               <a:ext cx="952143" cy="157737"/>
             </a:xfrm>
             <a:prstGeom prst="rect">
@@ -4331,7 +4331,7 @@
           </p:nvSpPr>
           <p:spPr>
             <a:xfrm>
-              <a:off x="4963305" y="2831492"/>
+              <a:off x="4377748" y="3417131"/>
               <a:ext cx="843843" cy="160596"/>
             </a:xfrm>
             <a:prstGeom prst="rect">
